--- a/Final Project/Documentation/Kaiba_Corp_Presentation.pptx
+++ b/Final Project/Documentation/Kaiba_Corp_Presentation.pptx
@@ -6,9 +6,9 @@
   </p:sldMasterIdLst>
   <p:sldIdLst>
     <p:sldId id="256" r:id="rId2"/>
-    <p:sldId id="260" r:id="rId3"/>
-    <p:sldId id="257" r:id="rId4"/>
-    <p:sldId id="258" r:id="rId5"/>
+    <p:sldId id="257" r:id="rId3"/>
+    <p:sldId id="258" r:id="rId4"/>
+    <p:sldId id="260" r:id="rId5"/>
     <p:sldId id="259" r:id="rId6"/>
     <p:sldId id="261" r:id="rId7"/>
     <p:sldId id="264" r:id="rId8"/>
@@ -126,9 +126,7 @@
           </p14:sldIdLst>
         </p14:section>
         <p14:section name="Presentation overview" id="{495495DF-F108-4F63-894F-AEFAB60D5E00}">
-          <p14:sldIdLst>
-            <p14:sldId id="260"/>
-          </p14:sldIdLst>
+          <p14:sldIdLst/>
         </p14:section>
         <p14:section name="Vision and motivation" id="{A055E99B-0657-4183-8B5D-5D3DC699997F}">
           <p14:sldIdLst>
@@ -138,6 +136,7 @@
         </p14:section>
         <p14:section name="System definition" id="{AA1C429E-AB54-462E-B7CD-A45F157B7FFA}">
           <p14:sldIdLst>
+            <p14:sldId id="260"/>
             <p14:sldId id="259"/>
             <p14:sldId id="261"/>
           </p14:sldIdLst>
@@ -3261,6 +3260,35 @@
           <a:chExt cx="0" cy="0"/>
         </a:xfrm>
       </p:grpSpPr>
+      <p:pic>
+        <p:nvPicPr>
+          <p:cNvPr id="6" name="Content Placeholder 5"/>
+          <p:cNvPicPr>
+            <a:picLocks noGrp="1" noChangeAspect="1"/>
+          </p:cNvPicPr>
+          <p:nvPr>
+            <p:ph idx="1"/>
+          </p:nvPr>
+        </p:nvPicPr>
+        <p:blipFill>
+          <a:blip r:embed="rId2">
+            <a:extLst>
+              <a:ext uri="{28A0092B-C50C-407E-A947-70E740481C1C}">
+                <a14:useLocalDpi xmlns:a14="http://schemas.microsoft.com/office/drawing/2010/main" val="0"/>
+              </a:ext>
+            </a:extLst>
+          </a:blip>
+          <a:stretch>
+            <a:fillRect/>
+          </a:stretch>
+        </p:blipFill>
+        <p:spPr>
+          <a:xfrm>
+            <a:off x="2057400" y="228601"/>
+            <a:ext cx="6642587" cy="3850876"/>
+          </a:xfrm>
+        </p:spPr>
+      </p:pic>
       <p:sp>
         <p:nvSpPr>
           <p:cNvPr id="2" name="Title 1"/>
@@ -3271,7 +3299,12 @@
             <p:ph type="title"/>
           </p:nvPr>
         </p:nvSpPr>
-        <p:spPr/>
+        <p:spPr>
+          <a:xfrm>
+            <a:off x="609600" y="152400"/>
+            <a:ext cx="3008313" cy="781050"/>
+          </a:xfrm>
+        </p:spPr>
         <p:txBody>
           <a:bodyPr/>
           <a:lstStyle/>
@@ -3286,20 +3319,25 @@
       </p:sp>
       <p:sp>
         <p:nvSpPr>
-          <p:cNvPr id="3" name="Content Placeholder 2"/>
-          <p:cNvSpPr>
-            <a:spLocks noGrp="1"/>
-          </p:cNvSpPr>
-          <p:nvPr>
-            <p:ph idx="1"/>
-          </p:nvPr>
-        </p:nvSpPr>
-        <p:spPr/>
-        <p:txBody>
-          <a:bodyPr/>
-          <a:lstStyle/>
-          <a:p>
-            <a:endParaRPr lang="en-US"/>
+          <p:cNvPr id="5" name="Text Placeholder 4"/>
+          <p:cNvSpPr>
+            <a:spLocks noGrp="1"/>
+          </p:cNvSpPr>
+          <p:nvPr>
+            <p:ph type="body" sz="half" idx="2"/>
+          </p:nvPr>
+        </p:nvSpPr>
+        <p:spPr>
+          <a:xfrm>
+            <a:off x="457200" y="3733800"/>
+            <a:ext cx="7924800" cy="2392363"/>
+          </a:xfrm>
+        </p:spPr>
+        <p:txBody>
+          <a:bodyPr/>
+          <a:lstStyle/>
+          <a:p>
+            <a:endParaRPr lang="en-US" dirty="0"/>
           </a:p>
         </p:txBody>
       </p:sp>
@@ -3379,25 +3417,35 @@
           </a:p>
         </p:txBody>
       </p:sp>
-      <p:sp>
-        <p:nvSpPr>
-          <p:cNvPr id="11" name="Content Placeholder 10"/>
-          <p:cNvSpPr>
-            <a:spLocks noGrp="1"/>
-          </p:cNvSpPr>
+      <p:pic>
+        <p:nvPicPr>
+          <p:cNvPr id="13" name="Content Placeholder 12"/>
+          <p:cNvPicPr>
+            <a:picLocks noGrp="1" noChangeAspect="1"/>
+          </p:cNvPicPr>
           <p:nvPr>
             <p:ph sz="half" idx="2"/>
           </p:nvPr>
-        </p:nvSpPr>
-        <p:spPr/>
-        <p:txBody>
-          <a:bodyPr/>
-          <a:lstStyle/>
-          <a:p>
-            <a:endParaRPr lang="en-US"/>
-          </a:p>
-        </p:txBody>
-      </p:sp>
+        </p:nvPicPr>
+        <p:blipFill>
+          <a:blip r:embed="rId2" cstate="print">
+            <a:extLst>
+              <a:ext uri="{28A0092B-C50C-407E-A947-70E740481C1C}">
+                <a14:useLocalDpi xmlns:a14="http://schemas.microsoft.com/office/drawing/2010/main" val="0"/>
+              </a:ext>
+            </a:extLst>
+          </a:blip>
+          <a:stretch>
+            <a:fillRect/>
+          </a:stretch>
+        </p:blipFill>
+        <p:spPr>
+          <a:xfrm>
+            <a:off x="985398" y="2174875"/>
+            <a:ext cx="2983791" cy="3951288"/>
+          </a:xfrm>
+        </p:spPr>
+      </p:pic>
       <p:sp>
         <p:nvSpPr>
           <p:cNvPr id="6" name="Text Placeholder 5"/>
@@ -3945,7 +3993,7 @@
           <a:p>
             <a:r>
               <a:rPr lang="en-US" dirty="0" smtClean="0"/>
-              <a:t>Presentation Flyover</a:t>
+              <a:t>Project vision</a:t>
             </a:r>
             <a:endParaRPr lang="en-US" dirty="0"/>
           </a:p>
@@ -3953,116 +4001,79 @@
       </p:sp>
       <p:sp>
         <p:nvSpPr>
-          <p:cNvPr id="4" name="Content Placeholder 3"/>
-          <p:cNvSpPr>
-            <a:spLocks noGrp="1"/>
-          </p:cNvSpPr>
-          <p:nvPr>
-            <p:ph sz="half" idx="1"/>
-          </p:nvPr>
-        </p:nvSpPr>
-        <p:spPr/>
-        <p:txBody>
-          <a:bodyPr>
-            <a:normAutofit/>
-          </a:bodyPr>
-          <a:lstStyle/>
-          <a:p>
-            <a:r>
-              <a:rPr lang="en-US" dirty="0" smtClean="0"/>
-              <a:t>Vision &amp; project Summary</a:t>
-            </a:r>
-          </a:p>
-          <a:p>
-            <a:r>
-              <a:rPr lang="en-US" dirty="0" smtClean="0"/>
-              <a:t>Deliverables</a:t>
-            </a:r>
-          </a:p>
-          <a:p>
-            <a:r>
-              <a:rPr lang="en-US" dirty="0" smtClean="0"/>
-              <a:t>Define requirements and specifications</a:t>
-            </a:r>
-          </a:p>
-        </p:txBody>
-      </p:sp>
-      <p:sp>
-        <p:nvSpPr>
-          <p:cNvPr id="5" name="Content Placeholder 4"/>
-          <p:cNvSpPr>
-            <a:spLocks noGrp="1"/>
-          </p:cNvSpPr>
-          <p:nvPr>
-            <p:ph sz="half" idx="2"/>
-          </p:nvPr>
-        </p:nvSpPr>
-        <p:spPr/>
-        <p:txBody>
-          <a:bodyPr>
-            <a:normAutofit/>
-          </a:bodyPr>
-          <a:lstStyle/>
-          <a:p>
-            <a:r>
-              <a:rPr lang="en-US" dirty="0" smtClean="0"/>
-              <a:t>High level implementation details</a:t>
+          <p:cNvPr id="3" name="Content Placeholder 2"/>
+          <p:cNvSpPr>
+            <a:spLocks noGrp="1"/>
+          </p:cNvSpPr>
+          <p:nvPr>
+            <p:ph idx="1"/>
+          </p:nvPr>
+        </p:nvSpPr>
+        <p:spPr/>
+        <p:txBody>
+          <a:bodyPr/>
+          <a:lstStyle/>
+          <a:p>
+            <a:r>
+              <a:rPr lang="en-US" dirty="0" smtClean="0"/>
+              <a:t>Problems: </a:t>
             </a:r>
           </a:p>
           <a:p>
             <a:pPr lvl="1"/>
             <a:r>
               <a:rPr lang="en-US" dirty="0" smtClean="0"/>
-              <a:t>Describe HW/SW</a:t>
+              <a:t>Design a complete embedded capstone</a:t>
             </a:r>
           </a:p>
           <a:p>
             <a:pPr lvl="1"/>
             <a:r>
               <a:rPr lang="en-US" dirty="0" smtClean="0"/>
-              <a:t>System flow</a:t>
+              <a:t>Must have at least 60% hardware components</a:t>
             </a:r>
           </a:p>
           <a:p>
             <a:pPr lvl="1"/>
             <a:r>
               <a:rPr lang="en-US" dirty="0" smtClean="0"/>
-              <a:t>General game play</a:t>
-            </a:r>
-          </a:p>
-          <a:p>
-            <a:r>
-              <a:rPr lang="en-US" dirty="0" smtClean="0"/>
-              <a:t>Issues encountered</a:t>
-            </a:r>
-          </a:p>
-          <a:p>
-            <a:r>
-              <a:rPr lang="en-US" dirty="0" smtClean="0"/>
-              <a:t>Latest Results</a:t>
-            </a:r>
-          </a:p>
-          <a:p>
-            <a:r>
-              <a:rPr lang="en-US" dirty="0" smtClean="0"/>
-              <a:t>Current project status</a:t>
-            </a:r>
-          </a:p>
-          <a:p>
-            <a:r>
-              <a:rPr lang="en-US" dirty="0" smtClean="0"/>
-              <a:t>Comments</a:t>
-            </a:r>
-          </a:p>
-          <a:p>
-            <a:endParaRPr lang="en-US" dirty="0" smtClean="0"/>
+              <a:t>Children looking for entertainment </a:t>
+            </a:r>
+          </a:p>
+          <a:p>
+            <a:pPr lvl="1"/>
+            <a:r>
+              <a:rPr lang="en-US" dirty="0" smtClean="0"/>
+              <a:t>Teach children</a:t>
+            </a:r>
+          </a:p>
+          <a:p>
+            <a:r>
+              <a:rPr lang="en-US" dirty="0" smtClean="0"/>
+              <a:t>Our solution:</a:t>
+            </a:r>
+          </a:p>
+          <a:p>
+            <a:pPr lvl="1"/>
+            <a:r>
+              <a:rPr lang="en-US" dirty="0" smtClean="0"/>
+              <a:t>Build an RFID compatible learning device</a:t>
+            </a:r>
+          </a:p>
+          <a:p>
+            <a:pPr lvl="1"/>
+            <a:r>
+              <a:rPr lang="en-US" dirty="0" smtClean="0"/>
+              <a:t>Plays educational and entertainment games</a:t>
+            </a:r>
+            <a:endParaRPr lang="en-US" dirty="0"/>
           </a:p>
         </p:txBody>
       </p:sp>
     </p:spTree>
     <p:extLst>
       <p:ext uri="{BB962C8B-B14F-4D97-AF65-F5344CB8AC3E}">
-        <p14:creationId xmlns:p14="http://schemas.microsoft.com/office/powerpoint/2010/main" val="3317920656"/>
+        <p14:creationId xmlns:p14="http://schemas.microsoft.com/office/powerpoint/2010/main" val="899892796"/>
       </p:ext>
     </p:extLst>
   </p:cSld>
@@ -4106,7 +4117,7 @@
           <a:p>
             <a:r>
               <a:rPr lang="en-US" dirty="0" smtClean="0"/>
-              <a:t>Project vision</a:t>
+              <a:t>Capstone Deliverables</a:t>
             </a:r>
             <a:endParaRPr lang="en-US" dirty="0"/>
           </a:p>
@@ -4129,64 +4140,30 @@
           <a:p>
             <a:r>
               <a:rPr lang="en-US" dirty="0" smtClean="0"/>
-              <a:t>Problems: </a:t>
-            </a:r>
-          </a:p>
-          <a:p>
-            <a:pPr lvl="1"/>
-            <a:r>
-              <a:rPr lang="en-US" dirty="0" smtClean="0"/>
-              <a:t>Design a complete embedded capstone</a:t>
-            </a:r>
-          </a:p>
-          <a:p>
-            <a:pPr lvl="1"/>
-            <a:r>
-              <a:rPr lang="en-US" dirty="0" smtClean="0"/>
-              <a:t>Must have at least 60% hardware components</a:t>
-            </a:r>
-          </a:p>
-          <a:p>
-            <a:pPr lvl="1"/>
-            <a:r>
-              <a:rPr lang="en-US" dirty="0" smtClean="0"/>
-              <a:t>Children looking for entertainment </a:t>
-            </a:r>
-          </a:p>
-          <a:p>
-            <a:pPr lvl="1"/>
-            <a:r>
-              <a:rPr lang="en-US" dirty="0" smtClean="0"/>
-              <a:t>Teach children</a:t>
-            </a:r>
-          </a:p>
-          <a:p>
-            <a:r>
-              <a:rPr lang="en-US" dirty="0" smtClean="0"/>
-              <a:t>Our solution:</a:t>
-            </a:r>
-          </a:p>
-          <a:p>
-            <a:pPr lvl="1"/>
-            <a:r>
-              <a:rPr lang="en-US" dirty="0" smtClean="0"/>
-              <a:t>Build an RFID compatible learning device</a:t>
-            </a:r>
-          </a:p>
-          <a:p>
-            <a:pPr lvl="1"/>
-            <a:r>
-              <a:rPr lang="en-US" dirty="0" smtClean="0"/>
-              <a:t>Plays educational and entertainment games</a:t>
-            </a:r>
+              <a:t>One working prototype system</a:t>
+            </a:r>
+          </a:p>
+          <a:p>
+            <a:r>
+              <a:rPr lang="en-US" dirty="0" smtClean="0"/>
+              <a:t>Documentation</a:t>
+            </a:r>
+          </a:p>
+          <a:p>
             <a:endParaRPr lang="en-US" dirty="0"/>
+          </a:p>
+          <a:p>
+            <a:r>
+              <a:rPr lang="en-US" dirty="0" smtClean="0"/>
+              <a:t>Another working prototype system (hopefully)</a:t>
+            </a:r>
           </a:p>
         </p:txBody>
       </p:sp>
     </p:spTree>
     <p:extLst>
       <p:ext uri="{BB962C8B-B14F-4D97-AF65-F5344CB8AC3E}">
-        <p14:creationId xmlns:p14="http://schemas.microsoft.com/office/powerpoint/2010/main" val="899892796"/>
+        <p14:creationId xmlns:p14="http://schemas.microsoft.com/office/powerpoint/2010/main" val="3863627709"/>
       </p:ext>
     </p:extLst>
   </p:cSld>
@@ -4230,7 +4207,7 @@
           <a:p>
             <a:r>
               <a:rPr lang="en-US" dirty="0" smtClean="0"/>
-              <a:t>Capstone Deliverables</a:t>
+              <a:t>Presentation Flyover</a:t>
             </a:r>
             <a:endParaRPr lang="en-US" dirty="0"/>
           </a:p>
@@ -4238,45 +4215,116 @@
       </p:sp>
       <p:sp>
         <p:nvSpPr>
-          <p:cNvPr id="3" name="Content Placeholder 2"/>
-          <p:cNvSpPr>
-            <a:spLocks noGrp="1"/>
-          </p:cNvSpPr>
-          <p:nvPr>
-            <p:ph idx="1"/>
-          </p:nvPr>
-        </p:nvSpPr>
-        <p:spPr/>
-        <p:txBody>
-          <a:bodyPr/>
-          <a:lstStyle/>
-          <a:p>
-            <a:r>
-              <a:rPr lang="en-US" dirty="0" smtClean="0"/>
-              <a:t>One working prototype system</a:t>
-            </a:r>
-          </a:p>
-          <a:p>
-            <a:r>
-              <a:rPr lang="en-US" dirty="0" smtClean="0"/>
-              <a:t>Documentation</a:t>
-            </a:r>
-          </a:p>
-          <a:p>
-            <a:endParaRPr lang="en-US" dirty="0"/>
-          </a:p>
-          <a:p>
-            <a:r>
-              <a:rPr lang="en-US" dirty="0" smtClean="0"/>
-              <a:t>Another working prototype system (hopefully)</a:t>
-            </a:r>
+          <p:cNvPr id="4" name="Content Placeholder 3"/>
+          <p:cNvSpPr>
+            <a:spLocks noGrp="1"/>
+          </p:cNvSpPr>
+          <p:nvPr>
+            <p:ph sz="half" idx="1"/>
+          </p:nvPr>
+        </p:nvSpPr>
+        <p:spPr/>
+        <p:txBody>
+          <a:bodyPr>
+            <a:normAutofit/>
+          </a:bodyPr>
+          <a:lstStyle/>
+          <a:p>
+            <a:r>
+              <a:rPr lang="en-US" dirty="0" smtClean="0"/>
+              <a:t>Vision &amp; project Summary</a:t>
+            </a:r>
+          </a:p>
+          <a:p>
+            <a:r>
+              <a:rPr lang="en-US" dirty="0" smtClean="0"/>
+              <a:t>Deliverables</a:t>
+            </a:r>
+          </a:p>
+          <a:p>
+            <a:r>
+              <a:rPr lang="en-US" dirty="0" smtClean="0"/>
+              <a:t>Define requirements and specifications</a:t>
+            </a:r>
+          </a:p>
+        </p:txBody>
+      </p:sp>
+      <p:sp>
+        <p:nvSpPr>
+          <p:cNvPr id="5" name="Content Placeholder 4"/>
+          <p:cNvSpPr>
+            <a:spLocks noGrp="1"/>
+          </p:cNvSpPr>
+          <p:nvPr>
+            <p:ph sz="half" idx="2"/>
+          </p:nvPr>
+        </p:nvSpPr>
+        <p:spPr/>
+        <p:txBody>
+          <a:bodyPr>
+            <a:normAutofit/>
+          </a:bodyPr>
+          <a:lstStyle/>
+          <a:p>
+            <a:r>
+              <a:rPr lang="en-US" dirty="0" smtClean="0"/>
+              <a:t>High level implementation details</a:t>
+            </a:r>
+          </a:p>
+          <a:p>
+            <a:pPr lvl="1"/>
+            <a:r>
+              <a:rPr lang="en-US" dirty="0" smtClean="0"/>
+              <a:t>Describe HW/SW</a:t>
+            </a:r>
+          </a:p>
+          <a:p>
+            <a:pPr lvl="1"/>
+            <a:r>
+              <a:rPr lang="en-US" dirty="0" smtClean="0"/>
+              <a:t>System flow</a:t>
+            </a:r>
+          </a:p>
+          <a:p>
+            <a:pPr lvl="1"/>
+            <a:r>
+              <a:rPr lang="en-US" dirty="0" smtClean="0"/>
+              <a:t>General game play</a:t>
+            </a:r>
+          </a:p>
+          <a:p>
+            <a:r>
+              <a:rPr lang="en-US" dirty="0" smtClean="0"/>
+              <a:t>Issues encountered</a:t>
+            </a:r>
+          </a:p>
+          <a:p>
+            <a:r>
+              <a:rPr lang="en-US" dirty="0" smtClean="0"/>
+              <a:t>Latest Results</a:t>
+            </a:r>
+          </a:p>
+          <a:p>
+            <a:r>
+              <a:rPr lang="en-US" dirty="0" smtClean="0"/>
+              <a:t>Current project status</a:t>
+            </a:r>
+          </a:p>
+          <a:p>
+            <a:r>
+              <a:rPr lang="en-US" dirty="0" smtClean="0"/>
+              <a:t>Comments</a:t>
+            </a:r>
+          </a:p>
+          <a:p>
+            <a:endParaRPr lang="en-US" dirty="0" smtClean="0"/>
           </a:p>
         </p:txBody>
       </p:sp>
     </p:spTree>
     <p:extLst>
       <p:ext uri="{BB962C8B-B14F-4D97-AF65-F5344CB8AC3E}">
-        <p14:creationId xmlns:p14="http://schemas.microsoft.com/office/powerpoint/2010/main" val="3863627709"/>
+        <p14:creationId xmlns:p14="http://schemas.microsoft.com/office/powerpoint/2010/main" val="3317920656"/>
       </p:ext>
     </p:extLst>
   </p:cSld>
@@ -4338,10 +4386,64 @@
         </p:nvSpPr>
         <p:spPr/>
         <p:txBody>
-          <a:bodyPr/>
-          <a:lstStyle/>
-          <a:p>
-            <a:endParaRPr lang="en-US"/>
+          <a:bodyPr>
+            <a:normAutofit fontScale="85000" lnSpcReduction="10000"/>
+          </a:bodyPr>
+          <a:lstStyle/>
+          <a:p>
+            <a:r>
+              <a:rPr lang="en-US" dirty="0" smtClean="0"/>
+              <a:t>Read multiple RFID tags</a:t>
+            </a:r>
+          </a:p>
+          <a:p>
+            <a:r>
+              <a:rPr lang="en-US" dirty="0" smtClean="0"/>
+              <a:t>Physically react to placed cards</a:t>
+            </a:r>
+          </a:p>
+          <a:p>
+            <a:r>
+              <a:rPr lang="en-US" dirty="0" smtClean="0"/>
+              <a:t>Display data on cards /or players</a:t>
+            </a:r>
+          </a:p>
+          <a:p>
+            <a:r>
+              <a:rPr lang="en-US" dirty="0" smtClean="0"/>
+              <a:t>Communicate wirelessly on multiple frequencies</a:t>
+            </a:r>
+          </a:p>
+          <a:p>
+            <a:r>
+              <a:rPr lang="en-US" dirty="0" smtClean="0"/>
+              <a:t>Interact with user and respond to user input</a:t>
+            </a:r>
+          </a:p>
+          <a:p>
+            <a:r>
+              <a:rPr lang="en-US" dirty="0" smtClean="0"/>
+              <a:t>Track game progress and display relevant game information</a:t>
+            </a:r>
+          </a:p>
+          <a:p>
+            <a:r>
+              <a:rPr lang="en-US" dirty="0" smtClean="0"/>
+              <a:t>Manipulate game data</a:t>
+            </a:r>
+          </a:p>
+          <a:p>
+            <a:r>
+              <a:rPr lang="en-US" dirty="0" smtClean="0"/>
+              <a:t>Maintain a database of cards</a:t>
+            </a:r>
+          </a:p>
+          <a:p>
+            <a:r>
+              <a:rPr lang="en-US" dirty="0" smtClean="0"/>
+              <a:t>Run fast enough to provide “real-time” user experience</a:t>
+            </a:r>
+            <a:endParaRPr lang="en-US" dirty="0"/>
           </a:p>
         </p:txBody>
       </p:sp>
@@ -4413,7 +4515,20 @@
           <a:bodyPr/>
           <a:lstStyle/>
           <a:p>
-            <a:endParaRPr lang="en-US"/>
+            <a:endParaRPr lang="en-US" dirty="0" smtClean="0"/>
+          </a:p>
+          <a:p>
+            <a:r>
+              <a:rPr lang="en-US" dirty="0" smtClean="0"/>
+              <a:t>Operate under normal household conditions</a:t>
+            </a:r>
+          </a:p>
+          <a:p>
+            <a:r>
+              <a:rPr lang="en-US" dirty="0" smtClean="0"/>
+              <a:t>Compliant with EIA-232, ISO15693, I2C, FCC Part 15.A,C standards</a:t>
+            </a:r>
+            <a:endParaRPr lang="en-US" dirty="0"/>
           </a:p>
         </p:txBody>
       </p:sp>
@@ -4464,49 +4579,41 @@
           <a:p>
             <a:r>
               <a:rPr lang="en-US" dirty="0" smtClean="0"/>
-              <a:t>Our idea</a:t>
+              <a:t>Our Idea: Hardware</a:t>
             </a:r>
             <a:endParaRPr lang="en-US" dirty="0"/>
           </a:p>
         </p:txBody>
       </p:sp>
-      <p:sp>
-        <p:nvSpPr>
-          <p:cNvPr id="3" name="Content Placeholder 2"/>
-          <p:cNvSpPr>
-            <a:spLocks noGrp="1"/>
-          </p:cNvSpPr>
+      <p:pic>
+        <p:nvPicPr>
+          <p:cNvPr id="4" name="Content Placeholder 3"/>
+          <p:cNvPicPr>
+            <a:picLocks noGrp="1" noChangeAspect="1"/>
+          </p:cNvPicPr>
           <p:nvPr>
             <p:ph idx="1"/>
           </p:nvPr>
-        </p:nvSpPr>
-        <p:spPr/>
-        <p:txBody>
-          <a:bodyPr/>
-          <a:lstStyle/>
-          <a:p>
-            <a:r>
-              <a:rPr lang="en-US" dirty="0" smtClean="0"/>
-              <a:t>Put the </a:t>
-            </a:r>
-            <a:r>
-              <a:rPr lang="en-US" dirty="0" err="1" smtClean="0"/>
-              <a:t>hw</a:t>
-            </a:r>
-            <a:r>
-              <a:rPr lang="en-US" dirty="0" smtClean="0"/>
-              <a:t> block diagram here</a:t>
-            </a:r>
-          </a:p>
-          <a:p>
-            <a:r>
-              <a:rPr lang="en-US" dirty="0" smtClean="0"/>
-              <a:t>Front end + back end idea</a:t>
-            </a:r>
-            <a:endParaRPr lang="en-US" dirty="0"/>
-          </a:p>
-        </p:txBody>
-      </p:sp>
+        </p:nvPicPr>
+        <p:blipFill>
+          <a:blip r:embed="rId2">
+            <a:extLst>
+              <a:ext uri="{28A0092B-C50C-407E-A947-70E740481C1C}">
+                <a14:useLocalDpi xmlns:a14="http://schemas.microsoft.com/office/drawing/2010/main" val="0"/>
+              </a:ext>
+            </a:extLst>
+          </a:blip>
+          <a:stretch>
+            <a:fillRect/>
+          </a:stretch>
+        </p:blipFill>
+        <p:spPr>
+          <a:xfrm>
+            <a:off x="1066800" y="1219200"/>
+            <a:ext cx="7136471" cy="4983163"/>
+          </a:xfrm>
+        </p:spPr>
+      </p:pic>
     </p:spTree>
     <p:extLst>
       <p:ext uri="{BB962C8B-B14F-4D97-AF65-F5344CB8AC3E}">
@@ -4572,13 +4679,120 @@
         </p:nvSpPr>
         <p:spPr/>
         <p:txBody>
-          <a:bodyPr/>
-          <a:lstStyle/>
-          <a:p>
-            <a:r>
-              <a:rPr lang="en-US" dirty="0" smtClean="0"/>
-              <a:t>Components used</a:t>
-            </a:r>
+          <a:bodyPr>
+            <a:normAutofit fontScale="77500" lnSpcReduction="20000"/>
+          </a:bodyPr>
+          <a:lstStyle/>
+          <a:p>
+            <a:r>
+              <a:rPr lang="en-US" dirty="0" smtClean="0"/>
+              <a:t>Components (single system):</a:t>
+            </a:r>
+          </a:p>
+          <a:p>
+            <a:pPr lvl="2"/>
+            <a:r>
+              <a:rPr lang="en-US" dirty="0" smtClean="0"/>
+              <a:t>RFID Reader/Writer</a:t>
+            </a:r>
+          </a:p>
+          <a:p>
+            <a:pPr lvl="2"/>
+            <a:r>
+              <a:rPr lang="en-US" dirty="0" err="1" smtClean="0"/>
+              <a:t>XBee</a:t>
+            </a:r>
+            <a:r>
+              <a:rPr lang="en-US" dirty="0" smtClean="0"/>
+              <a:t> 802.11.4</a:t>
+            </a:r>
+          </a:p>
+          <a:p>
+            <a:pPr lvl="2"/>
+            <a:r>
+              <a:rPr lang="en-US" dirty="0" smtClean="0"/>
+              <a:t>(2) GAL22V10</a:t>
+            </a:r>
+          </a:p>
+          <a:p>
+            <a:pPr lvl="2"/>
+            <a:r>
+              <a:rPr lang="en-US" dirty="0" smtClean="0"/>
+              <a:t>(2) PIC18F46K22</a:t>
+            </a:r>
+          </a:p>
+          <a:p>
+            <a:pPr lvl="2"/>
+            <a:r>
+              <a:rPr lang="en-US" dirty="0" smtClean="0"/>
+              <a:t>(2) 2k 8-bit SRAM</a:t>
+            </a:r>
+          </a:p>
+          <a:p>
+            <a:pPr lvl="2"/>
+            <a:r>
+              <a:rPr lang="en-US" dirty="0" smtClean="0"/>
+              <a:t>16-key keypad</a:t>
+            </a:r>
+          </a:p>
+          <a:p>
+            <a:pPr lvl="2"/>
+            <a:r>
+              <a:rPr lang="en-US" dirty="0" smtClean="0"/>
+              <a:t>4” LCD</a:t>
+            </a:r>
+          </a:p>
+          <a:p>
+            <a:pPr lvl="2"/>
+            <a:r>
+              <a:rPr lang="en-US" dirty="0" smtClean="0"/>
+              <a:t>3.3v regulator</a:t>
+            </a:r>
+          </a:p>
+          <a:p>
+            <a:pPr lvl="2"/>
+            <a:r>
+              <a:rPr lang="en-US" dirty="0" smtClean="0"/>
+              <a:t>(4) switches</a:t>
+            </a:r>
+          </a:p>
+          <a:p>
+            <a:pPr lvl="2"/>
+            <a:r>
+              <a:rPr lang="en-US" dirty="0" smtClean="0"/>
+              <a:t>H-bridge</a:t>
+            </a:r>
+          </a:p>
+          <a:p>
+            <a:pPr lvl="2"/>
+            <a:r>
+              <a:rPr lang="en-US" dirty="0" smtClean="0"/>
+              <a:t>Linear servo</a:t>
+            </a:r>
+          </a:p>
+          <a:p>
+            <a:pPr lvl="2"/>
+            <a:r>
+              <a:rPr lang="en-US" dirty="0" smtClean="0"/>
+              <a:t>20MHz Crystal Oscillator</a:t>
+            </a:r>
+          </a:p>
+          <a:p>
+            <a:pPr lvl="2"/>
+            <a:r>
+              <a:rPr lang="en-US" dirty="0" smtClean="0"/>
+              <a:t>CMOS hex buffer (non-inverting)</a:t>
+            </a:r>
+          </a:p>
+          <a:p>
+            <a:pPr lvl="2"/>
+            <a:r>
+              <a:rPr lang="en-US" dirty="0" smtClean="0"/>
+              <a:t>(3) RGB LEDs</a:t>
+            </a:r>
+          </a:p>
+          <a:p>
+            <a:pPr lvl="2"/>
             <a:endParaRPr lang="en-US" dirty="0"/>
           </a:p>
         </p:txBody>

--- a/Final Project/Documentation/Kaiba_Corp_Presentation.pptx
+++ b/Final Project/Documentation/Kaiba_Corp_Presentation.pptx
@@ -8,17 +8,15 @@
     <p:sldId id="256" r:id="rId2"/>
     <p:sldId id="257" r:id="rId3"/>
     <p:sldId id="258" r:id="rId4"/>
-    <p:sldId id="260" r:id="rId5"/>
-    <p:sldId id="259" r:id="rId6"/>
-    <p:sldId id="261" r:id="rId7"/>
-    <p:sldId id="264" r:id="rId8"/>
-    <p:sldId id="262" r:id="rId9"/>
-    <p:sldId id="266" r:id="rId10"/>
-    <p:sldId id="263" r:id="rId11"/>
-    <p:sldId id="265" r:id="rId12"/>
-    <p:sldId id="267" r:id="rId13"/>
-    <p:sldId id="269" r:id="rId14"/>
-    <p:sldId id="270" r:id="rId15"/>
+    <p:sldId id="259" r:id="rId5"/>
+    <p:sldId id="261" r:id="rId6"/>
+    <p:sldId id="264" r:id="rId7"/>
+    <p:sldId id="262" r:id="rId8"/>
+    <p:sldId id="263" r:id="rId9"/>
+    <p:sldId id="265" r:id="rId10"/>
+    <p:sldId id="267" r:id="rId11"/>
+    <p:sldId id="269" r:id="rId12"/>
+    <p:sldId id="270" r:id="rId13"/>
   </p:sldIdLst>
   <p:sldSz cx="9144000" cy="6858000" type="screen4x3"/>
   <p:notesSz cx="6858000" cy="9144000"/>
@@ -136,7 +134,6 @@
         </p14:section>
         <p14:section name="System definition" id="{AA1C429E-AB54-462E-B7CD-A45F157B7FFA}">
           <p14:sldIdLst>
-            <p14:sldId id="260"/>
             <p14:sldId id="259"/>
             <p14:sldId id="261"/>
           </p14:sldIdLst>
@@ -145,7 +142,6 @@
           <p14:sldIdLst>
             <p14:sldId id="264"/>
             <p14:sldId id="262"/>
-            <p14:sldId id="266"/>
             <p14:sldId id="263"/>
             <p14:sldId id="265"/>
           </p14:sldIdLst>
@@ -158,6 +154,20 @@
           </p14:sldIdLst>
         </p14:section>
       </p14:sectionLst>
+    </p:ext>
+    <p:ext uri="{EFAFB233-063F-42B5-8137-9DF3F51BA10A}">
+      <p15:sldGuideLst xmlns:p15="http://schemas.microsoft.com/office/powerpoint/2012/main">
+        <p15:guide id="1" orient="horz" pos="2160">
+          <p15:clr>
+            <a:srgbClr val="A4A3A4"/>
+          </p15:clr>
+        </p15:guide>
+        <p15:guide id="2" pos="2880">
+          <p15:clr>
+            <a:srgbClr val="A4A3A4"/>
+          </p15:clr>
+        </p15:guide>
+      </p15:sldGuideLst>
     </p:ext>
   </p:extLst>
 </p:presentation>
@@ -344,7 +354,7 @@
           <a:p>
             <a:fld id="{53EB579B-7FB4-42EB-90F6-3CAFB15A17E5}" type="datetimeFigureOut">
               <a:rPr lang="en-US" smtClean="0"/>
-              <a:t>6/2/2014</a:t>
+              <a:t>6/3/2014</a:t>
             </a:fld>
             <a:endParaRPr lang="en-US"/>
           </a:p>
@@ -514,7 +524,7 @@
           <a:p>
             <a:fld id="{53EB579B-7FB4-42EB-90F6-3CAFB15A17E5}" type="datetimeFigureOut">
               <a:rPr lang="en-US" smtClean="0"/>
-              <a:t>6/2/2014</a:t>
+              <a:t>6/3/2014</a:t>
             </a:fld>
             <a:endParaRPr lang="en-US"/>
           </a:p>
@@ -694,7 +704,7 @@
           <a:p>
             <a:fld id="{53EB579B-7FB4-42EB-90F6-3CAFB15A17E5}" type="datetimeFigureOut">
               <a:rPr lang="en-US" smtClean="0"/>
-              <a:t>6/2/2014</a:t>
+              <a:t>6/3/2014</a:t>
             </a:fld>
             <a:endParaRPr lang="en-US"/>
           </a:p>
@@ -864,7 +874,7 @@
           <a:p>
             <a:fld id="{53EB579B-7FB4-42EB-90F6-3CAFB15A17E5}" type="datetimeFigureOut">
               <a:rPr lang="en-US" smtClean="0"/>
-              <a:t>6/2/2014</a:t>
+              <a:t>6/3/2014</a:t>
             </a:fld>
             <a:endParaRPr lang="en-US"/>
           </a:p>
@@ -1110,7 +1120,7 @@
           <a:p>
             <a:fld id="{53EB579B-7FB4-42EB-90F6-3CAFB15A17E5}" type="datetimeFigureOut">
               <a:rPr lang="en-US" smtClean="0"/>
-              <a:t>6/2/2014</a:t>
+              <a:t>6/3/2014</a:t>
             </a:fld>
             <a:endParaRPr lang="en-US"/>
           </a:p>
@@ -1398,7 +1408,7 @@
           <a:p>
             <a:fld id="{53EB579B-7FB4-42EB-90F6-3CAFB15A17E5}" type="datetimeFigureOut">
               <a:rPr lang="en-US" smtClean="0"/>
-              <a:t>6/2/2014</a:t>
+              <a:t>6/3/2014</a:t>
             </a:fld>
             <a:endParaRPr lang="en-US"/>
           </a:p>
@@ -1820,7 +1830,7 @@
           <a:p>
             <a:fld id="{53EB579B-7FB4-42EB-90F6-3CAFB15A17E5}" type="datetimeFigureOut">
               <a:rPr lang="en-US" smtClean="0"/>
-              <a:t>6/2/2014</a:t>
+              <a:t>6/3/2014</a:t>
             </a:fld>
             <a:endParaRPr lang="en-US"/>
           </a:p>
@@ -1938,7 +1948,7 @@
           <a:p>
             <a:fld id="{53EB579B-7FB4-42EB-90F6-3CAFB15A17E5}" type="datetimeFigureOut">
               <a:rPr lang="en-US" smtClean="0"/>
-              <a:t>6/2/2014</a:t>
+              <a:t>6/3/2014</a:t>
             </a:fld>
             <a:endParaRPr lang="en-US"/>
           </a:p>
@@ -2033,7 +2043,7 @@
           <a:p>
             <a:fld id="{53EB579B-7FB4-42EB-90F6-3CAFB15A17E5}" type="datetimeFigureOut">
               <a:rPr lang="en-US" smtClean="0"/>
-              <a:t>6/2/2014</a:t>
+              <a:t>6/3/2014</a:t>
             </a:fld>
             <a:endParaRPr lang="en-US"/>
           </a:p>
@@ -2310,7 +2320,7 @@
           <a:p>
             <a:fld id="{53EB579B-7FB4-42EB-90F6-3CAFB15A17E5}" type="datetimeFigureOut">
               <a:rPr lang="en-US" smtClean="0"/>
-              <a:t>6/2/2014</a:t>
+              <a:t>6/3/2014</a:t>
             </a:fld>
             <a:endParaRPr lang="en-US"/>
           </a:p>
@@ -2563,7 +2573,7 @@
           <a:p>
             <a:fld id="{53EB579B-7FB4-42EB-90F6-3CAFB15A17E5}" type="datetimeFigureOut">
               <a:rPr lang="en-US" smtClean="0"/>
-              <a:t>6/2/2014</a:t>
+              <a:t>6/3/2014</a:t>
             </a:fld>
             <a:endParaRPr lang="en-US"/>
           </a:p>
@@ -2776,7 +2786,7 @@
           <a:p>
             <a:fld id="{53EB579B-7FB4-42EB-90F6-3CAFB15A17E5}" type="datetimeFigureOut">
               <a:rPr lang="en-US" smtClean="0"/>
-              <a:t>6/2/2014</a:t>
+              <a:t>6/3/2014</a:t>
             </a:fld>
             <a:endParaRPr lang="en-US"/>
           </a:p>
@@ -3260,83 +3270,145 @@
           <a:chExt cx="0" cy="0"/>
         </a:xfrm>
       </p:grpSpPr>
-      <p:pic>
-        <p:nvPicPr>
-          <p:cNvPr id="6" name="Content Placeholder 5"/>
-          <p:cNvPicPr>
-            <a:picLocks noGrp="1" noChangeAspect="1"/>
-          </p:cNvPicPr>
+      <p:sp>
+        <p:nvSpPr>
+          <p:cNvPr id="10" name="Title 9"/>
+          <p:cNvSpPr>
+            <a:spLocks noGrp="1"/>
+          </p:cNvSpPr>
+          <p:nvPr>
+            <p:ph type="title"/>
+          </p:nvPr>
+        </p:nvSpPr>
+        <p:spPr/>
+        <p:txBody>
+          <a:bodyPr/>
+          <a:lstStyle/>
+          <a:p>
+            <a:r>
+              <a:rPr lang="en-US" dirty="0" smtClean="0"/>
+              <a:t>Issues Encountered</a:t>
+            </a:r>
+            <a:endParaRPr lang="en-US" dirty="0"/>
+          </a:p>
+        </p:txBody>
+      </p:sp>
+      <p:sp>
+        <p:nvSpPr>
+          <p:cNvPr id="11" name="Content Placeholder 10"/>
+          <p:cNvSpPr>
+            <a:spLocks noGrp="1"/>
+          </p:cNvSpPr>
           <p:nvPr>
             <p:ph idx="1"/>
           </p:nvPr>
-        </p:nvPicPr>
-        <p:blipFill>
-          <a:blip r:embed="rId2">
-            <a:extLst>
-              <a:ext uri="{28A0092B-C50C-407E-A947-70E740481C1C}">
-                <a14:useLocalDpi xmlns:a14="http://schemas.microsoft.com/office/drawing/2010/main" val="0"/>
-              </a:ext>
-            </a:extLst>
-          </a:blip>
-          <a:stretch>
-            <a:fillRect/>
-          </a:stretch>
-        </p:blipFill>
+        </p:nvSpPr>
         <p:spPr>
           <a:xfrm>
-            <a:off x="2057400" y="228601"/>
-            <a:ext cx="6642587" cy="3850876"/>
+            <a:off x="457200" y="1600200"/>
+            <a:ext cx="8229600" cy="4876800"/>
           </a:xfrm>
         </p:spPr>
-      </p:pic>
-      <p:sp>
-        <p:nvSpPr>
-          <p:cNvPr id="2" name="Title 1"/>
-          <p:cNvSpPr>
-            <a:spLocks noGrp="1"/>
-          </p:cNvSpPr>
-          <p:nvPr>
-            <p:ph type="title"/>
-          </p:nvPr>
-        </p:nvSpPr>
-        <p:spPr>
-          <a:xfrm>
-            <a:off x="609600" y="152400"/>
-            <a:ext cx="3008313" cy="781050"/>
-          </a:xfrm>
-        </p:spPr>
-        <p:txBody>
-          <a:bodyPr/>
-          <a:lstStyle/>
-          <a:p>
-            <a:r>
-              <a:rPr lang="en-US" dirty="0" smtClean="0"/>
-              <a:t>Software functions</a:t>
-            </a:r>
-            <a:endParaRPr lang="en-US" dirty="0"/>
-          </a:p>
-        </p:txBody>
-      </p:sp>
-      <p:sp>
-        <p:nvSpPr>
-          <p:cNvPr id="5" name="Text Placeholder 4"/>
-          <p:cNvSpPr>
-            <a:spLocks noGrp="1"/>
-          </p:cNvSpPr>
-          <p:nvPr>
-            <p:ph type="body" sz="half" idx="2"/>
-          </p:nvPr>
-        </p:nvSpPr>
-        <p:spPr>
-          <a:xfrm>
-            <a:off x="457200" y="3733800"/>
-            <a:ext cx="7924800" cy="2392363"/>
-          </a:xfrm>
-        </p:spPr>
-        <p:txBody>
-          <a:bodyPr/>
-          <a:lstStyle/>
-          <a:p>
+        <p:txBody>
+          <a:bodyPr>
+            <a:normAutofit fontScale="85000" lnSpcReduction="20000"/>
+          </a:bodyPr>
+          <a:lstStyle/>
+          <a:p>
+            <a:r>
+              <a:rPr lang="en-US" dirty="0" smtClean="0"/>
+              <a:t>Lack of memory + pins</a:t>
+            </a:r>
+          </a:p>
+          <a:p>
+            <a:pPr lvl="1"/>
+            <a:r>
+              <a:rPr lang="en-US" dirty="0" smtClean="0"/>
+              <a:t>Solution: switched to larger chip from same family</a:t>
+            </a:r>
+          </a:p>
+          <a:p>
+            <a:pPr lvl="2"/>
+            <a:r>
+              <a:rPr lang="en-US" dirty="0" smtClean="0"/>
+              <a:t>PIC18F46K22</a:t>
+            </a:r>
+          </a:p>
+          <a:p>
+            <a:pPr lvl="2"/>
+            <a:r>
+              <a:rPr lang="en-US" dirty="0" smtClean="0"/>
+              <a:t>36 GPIO pins</a:t>
+            </a:r>
+          </a:p>
+          <a:p>
+            <a:pPr lvl="1"/>
+            <a:r>
+              <a:rPr lang="en-US" dirty="0" smtClean="0"/>
+              <a:t>Solution: use a two-level system (frontend + backend)</a:t>
+            </a:r>
+          </a:p>
+          <a:p>
+            <a:r>
+              <a:rPr lang="en-US" dirty="0" smtClean="0"/>
+              <a:t>UART ISR overflow</a:t>
+            </a:r>
+          </a:p>
+          <a:p>
+            <a:pPr lvl="1"/>
+            <a:r>
+              <a:rPr lang="en-US" dirty="0" smtClean="0"/>
+              <a:t>Occurred when reading RFID tags</a:t>
+            </a:r>
+          </a:p>
+          <a:p>
+            <a:pPr lvl="1"/>
+            <a:r>
+              <a:rPr lang="en-US" dirty="0" smtClean="0"/>
+              <a:t>Limited to specific functions</a:t>
+            </a:r>
+          </a:p>
+          <a:p>
+            <a:pPr lvl="1"/>
+            <a:r>
+              <a:rPr lang="en-US" dirty="0" smtClean="0"/>
+              <a:t>Root cause:</a:t>
+            </a:r>
+          </a:p>
+          <a:p>
+            <a:pPr lvl="2"/>
+            <a:r>
+              <a:rPr lang="en-US" dirty="0" smtClean="0"/>
+              <a:t> excessive context switch lag time</a:t>
+            </a:r>
+          </a:p>
+          <a:p>
+            <a:pPr lvl="1"/>
+            <a:r>
+              <a:rPr lang="en-US" dirty="0" smtClean="0"/>
+              <a:t>Solution: </a:t>
+            </a:r>
+          </a:p>
+          <a:p>
+            <a:pPr lvl="2"/>
+            <a:r>
+              <a:rPr lang="en-US" dirty="0" smtClean="0"/>
+              <a:t>remove function calls within ISR</a:t>
+            </a:r>
+          </a:p>
+          <a:p>
+            <a:pPr lvl="2"/>
+            <a:r>
+              <a:rPr lang="en-US" dirty="0" smtClean="0"/>
+              <a:t>Instruct Compiler to not save data</a:t>
+            </a:r>
+          </a:p>
+          <a:p>
+            <a:pPr lvl="1"/>
+            <a:endParaRPr lang="en-US" dirty="0" smtClean="0"/>
+          </a:p>
+          <a:p>
+            <a:pPr lvl="1"/>
             <a:endParaRPr lang="en-US" dirty="0"/>
           </a:p>
         </p:txBody>
@@ -3344,7 +3416,7 @@
     </p:spTree>
     <p:extLst>
       <p:ext uri="{BB962C8B-B14F-4D97-AF65-F5344CB8AC3E}">
-        <p14:creationId xmlns:p14="http://schemas.microsoft.com/office/powerpoint/2010/main" val="2126620538"/>
+        <p14:creationId xmlns:p14="http://schemas.microsoft.com/office/powerpoint/2010/main" val="665483476"/>
       </p:ext>
     </p:extLst>
   </p:cSld>
@@ -3373,7 +3445,7 @@
       </p:grpSpPr>
       <p:sp>
         <p:nvSpPr>
-          <p:cNvPr id="2" name="Title 1"/>
+          <p:cNvPr id="4" name="Title 3"/>
           <p:cNvSpPr>
             <a:spLocks noGrp="1"/>
           </p:cNvSpPr>
@@ -3381,50 +3453,34 @@
             <p:ph type="title"/>
           </p:nvPr>
         </p:nvSpPr>
-        <p:spPr/>
-        <p:txBody>
-          <a:bodyPr/>
-          <a:lstStyle/>
-          <a:p>
-            <a:r>
-              <a:rPr lang="en-US" smtClean="0"/>
-              <a:t>State machines</a:t>
-            </a:r>
-            <a:endParaRPr lang="en-US" dirty="0"/>
-          </a:p>
-        </p:txBody>
-      </p:sp>
-      <p:sp>
-        <p:nvSpPr>
-          <p:cNvPr id="4" name="Text Placeholder 3"/>
-          <p:cNvSpPr>
-            <a:spLocks noGrp="1"/>
-          </p:cNvSpPr>
-          <p:nvPr>
-            <p:ph type="body" idx="1"/>
-          </p:nvPr>
-        </p:nvSpPr>
-        <p:spPr/>
-        <p:txBody>
-          <a:bodyPr/>
-          <a:lstStyle/>
-          <a:p>
-            <a:r>
-              <a:rPr lang="en-US" smtClean="0"/>
-              <a:t>Basic system flow</a:t>
-            </a:r>
-            <a:endParaRPr lang="en-US" dirty="0"/>
+        <p:spPr>
+          <a:xfrm>
+            <a:off x="457200" y="273050"/>
+            <a:ext cx="3008313" cy="946150"/>
+          </a:xfrm>
+        </p:spPr>
+        <p:txBody>
+          <a:bodyPr>
+            <a:normAutofit/>
+          </a:bodyPr>
+          <a:lstStyle/>
+          <a:p>
+            <a:r>
+              <a:rPr lang="en-US" sz="3600" dirty="0" smtClean="0"/>
+              <a:t>Status</a:t>
+            </a:r>
+            <a:endParaRPr lang="en-US" sz="3600" dirty="0"/>
           </a:p>
         </p:txBody>
       </p:sp>
       <p:pic>
         <p:nvPicPr>
-          <p:cNvPr id="13" name="Content Placeholder 12"/>
+          <p:cNvPr id="7" name="Content Placeholder 6"/>
           <p:cNvPicPr>
             <a:picLocks noGrp="1" noChangeAspect="1"/>
           </p:cNvPicPr>
           <p:nvPr>
-            <p:ph sz="half" idx="2"/>
+            <p:ph idx="1"/>
           </p:nvPr>
         </p:nvPicPr>
         <p:blipFill>
@@ -3441,8 +3497,8 @@
         </p:blipFill>
         <p:spPr>
           <a:xfrm>
-            <a:off x="985398" y="2174875"/>
-            <a:ext cx="2983791" cy="3951288"/>
+            <a:off x="4419600" y="533400"/>
+            <a:ext cx="3556000" cy="2667000"/>
           </a:xfrm>
         </p:spPr>
       </p:pic>
@@ -3453,45 +3509,146 @@
             <a:spLocks noGrp="1"/>
           </p:cNvSpPr>
           <p:nvPr>
-            <p:ph type="body" sz="quarter" idx="3"/>
-          </p:nvPr>
-        </p:nvSpPr>
-        <p:spPr/>
-        <p:txBody>
-          <a:bodyPr/>
-          <a:lstStyle/>
-          <a:p>
-            <a:r>
-              <a:rPr lang="en-US" smtClean="0"/>
-              <a:t>Generic game flow</a:t>
-            </a:r>
-            <a:endParaRPr lang="en-US" dirty="0"/>
-          </a:p>
-        </p:txBody>
-      </p:sp>
-      <p:sp>
-        <p:nvSpPr>
-          <p:cNvPr id="12" name="Content Placeholder 11"/>
-          <p:cNvSpPr>
-            <a:spLocks noGrp="1"/>
-          </p:cNvSpPr>
-          <p:nvPr>
-            <p:ph sz="quarter" idx="4"/>
-          </p:nvPr>
-        </p:nvSpPr>
-        <p:spPr/>
-        <p:txBody>
-          <a:bodyPr/>
-          <a:lstStyle/>
-          <a:p>
-            <a:endParaRPr lang="en-US"/>
-          </a:p>
-        </p:txBody>
-      </p:sp>
+            <p:ph type="body" sz="half" idx="2"/>
+          </p:nvPr>
+        </p:nvSpPr>
+        <p:spPr>
+          <a:xfrm>
+            <a:off x="457200" y="1371600"/>
+            <a:ext cx="3657600" cy="4813300"/>
+          </a:xfrm>
+        </p:spPr>
+        <p:txBody>
+          <a:bodyPr>
+            <a:normAutofit/>
+          </a:bodyPr>
+          <a:lstStyle/>
+          <a:p>
+            <a:pPr marL="285750" indent="-285750">
+              <a:buFont typeface="Arial" panose="020B0604020202020204" pitchFamily="34" charset="0"/>
+              <a:buChar char="•"/>
+            </a:pPr>
+            <a:r>
+              <a:rPr lang="en-US" sz="2000" dirty="0" smtClean="0"/>
+              <a:t>Most hardware modules </a:t>
+            </a:r>
+            <a:r>
+              <a:rPr lang="en-US" sz="2000" dirty="0" smtClean="0"/>
+              <a:t>tested/working separately</a:t>
+            </a:r>
+            <a:endParaRPr lang="en-US" sz="2000" dirty="0"/>
+          </a:p>
+          <a:p>
+            <a:pPr marL="285750" indent="-285750">
+              <a:buFont typeface="Arial" panose="020B0604020202020204" pitchFamily="34" charset="0"/>
+              <a:buChar char="•"/>
+            </a:pPr>
+            <a:r>
+              <a:rPr lang="en-US" sz="2000" dirty="0" smtClean="0"/>
+              <a:t>Integrating </a:t>
+            </a:r>
+            <a:r>
+              <a:rPr lang="en-US" sz="2000" dirty="0" smtClean="0"/>
+              <a:t>software drivers with </a:t>
+            </a:r>
+            <a:r>
+              <a:rPr lang="en-US" sz="2000" dirty="0" smtClean="0"/>
+              <a:t>scheduler</a:t>
+            </a:r>
+          </a:p>
+          <a:p>
+            <a:pPr marL="285750" indent="-285750">
+              <a:buFont typeface="Arial" panose="020B0604020202020204" pitchFamily="34" charset="0"/>
+              <a:buChar char="•"/>
+            </a:pPr>
+            <a:r>
+              <a:rPr lang="en-US" sz="2000" dirty="0" smtClean="0"/>
+              <a:t>Currently building game / test software with following functions:</a:t>
+            </a:r>
+          </a:p>
+          <a:p>
+            <a:pPr marL="742950" lvl="1" indent="-285750">
+              <a:buFont typeface="Arial" panose="020B0604020202020204" pitchFamily="34" charset="0"/>
+              <a:buChar char="•"/>
+            </a:pPr>
+            <a:r>
+              <a:rPr lang="en-US" sz="1800" dirty="0" smtClean="0"/>
+              <a:t>Single Player Duel</a:t>
+            </a:r>
+          </a:p>
+          <a:p>
+            <a:pPr marL="742950" lvl="1" indent="-285750">
+              <a:buFont typeface="Arial" panose="020B0604020202020204" pitchFamily="34" charset="0"/>
+              <a:buChar char="•"/>
+            </a:pPr>
+            <a:r>
+              <a:rPr lang="en-US" sz="1800" dirty="0" smtClean="0"/>
+              <a:t>Multiplayer Duel</a:t>
+            </a:r>
+          </a:p>
+          <a:p>
+            <a:pPr marL="742950" lvl="1" indent="-285750">
+              <a:buFont typeface="Arial" panose="020B0604020202020204" pitchFamily="34" charset="0"/>
+              <a:buChar char="•"/>
+            </a:pPr>
+            <a:r>
+              <a:rPr lang="en-US" sz="1800" dirty="0" smtClean="0"/>
+              <a:t>Card Building</a:t>
+            </a:r>
+          </a:p>
+          <a:p>
+            <a:pPr marL="742950" lvl="1" indent="-285750">
+              <a:buFont typeface="Arial" panose="020B0604020202020204" pitchFamily="34" charset="0"/>
+              <a:buChar char="•"/>
+            </a:pPr>
+            <a:r>
+              <a:rPr lang="en-US" sz="1800" dirty="0" smtClean="0"/>
+              <a:t>Displays</a:t>
+            </a:r>
+          </a:p>
+          <a:p>
+            <a:pPr marL="285750" indent="-285750">
+              <a:buFont typeface="Arial" panose="020B0604020202020204" pitchFamily="34" charset="0"/>
+              <a:buChar char="•"/>
+            </a:pPr>
+            <a:endParaRPr lang="en-US" sz="2000" dirty="0"/>
+          </a:p>
+        </p:txBody>
+      </p:sp>
+      <p:pic>
+        <p:nvPicPr>
+          <p:cNvPr id="8" name="Picture 7"/>
+          <p:cNvPicPr>
+            <a:picLocks noChangeAspect="1"/>
+          </p:cNvPicPr>
+          <p:nvPr/>
+        </p:nvPicPr>
+        <p:blipFill>
+          <a:blip r:embed="rId3" cstate="print">
+            <a:extLst>
+              <a:ext uri="{28A0092B-C50C-407E-A947-70E740481C1C}">
+                <a14:useLocalDpi xmlns:a14="http://schemas.microsoft.com/office/drawing/2010/main" val="0"/>
+              </a:ext>
+            </a:extLst>
+          </a:blip>
+          <a:stretch>
+            <a:fillRect/>
+          </a:stretch>
+        </p:blipFill>
+        <p:spPr>
+          <a:xfrm rot="5400000">
+            <a:off x="4622800" y="3822700"/>
+            <a:ext cx="3149600" cy="2362200"/>
+          </a:xfrm>
+          <a:prstGeom prst="rect">
+            <a:avLst/>
+          </a:prstGeom>
+        </p:spPr>
+      </p:pic>
     </p:spTree>
     <p:extLst>
       <p:ext uri="{BB962C8B-B14F-4D97-AF65-F5344CB8AC3E}">
-        <p14:creationId xmlns:p14="http://schemas.microsoft.com/office/powerpoint/2010/main" val="1916042667"/>
+        <p14:creationId xmlns:p14="http://schemas.microsoft.com/office/powerpoint/2010/main" val="2490425786"/>
       </p:ext>
     </p:extLst>
   </p:cSld>
@@ -3520,7 +3677,7 @@
       </p:grpSpPr>
       <p:sp>
         <p:nvSpPr>
-          <p:cNvPr id="10" name="Title 9"/>
+          <p:cNvPr id="2" name="Title 1"/>
           <p:cNvSpPr>
             <a:spLocks noGrp="1"/>
           </p:cNvSpPr>
@@ -3535,7 +3692,7 @@
           <a:p>
             <a:r>
               <a:rPr lang="en-US" dirty="0" smtClean="0"/>
-              <a:t>Issues Encountered</a:t>
+              <a:t>Future work</a:t>
             </a:r>
             <a:endParaRPr lang="en-US" dirty="0"/>
           </a:p>
@@ -3543,336 +3700,20 @@
       </p:sp>
       <p:sp>
         <p:nvSpPr>
-          <p:cNvPr id="11" name="Content Placeholder 10"/>
-          <p:cNvSpPr>
-            <a:spLocks noGrp="1"/>
-          </p:cNvSpPr>
-          <p:nvPr>
-            <p:ph idx="1"/>
-          </p:nvPr>
-        </p:nvSpPr>
-        <p:spPr/>
-        <p:txBody>
-          <a:bodyPr>
-            <a:normAutofit fontScale="77500" lnSpcReduction="20000"/>
-          </a:bodyPr>
-          <a:lstStyle/>
-          <a:p>
-            <a:r>
-              <a:rPr lang="en-US" dirty="0" smtClean="0"/>
-              <a:t>Lack of memory + pins</a:t>
-            </a:r>
-          </a:p>
-          <a:p>
-            <a:pPr lvl="1"/>
-            <a:r>
-              <a:rPr lang="en-US" dirty="0" smtClean="0"/>
-              <a:t>Solution: switched to larger chip from same family</a:t>
-            </a:r>
-          </a:p>
-          <a:p>
-            <a:pPr lvl="2"/>
-            <a:r>
-              <a:rPr lang="en-US" dirty="0" smtClean="0"/>
-              <a:t>PIC18F46K22</a:t>
-            </a:r>
-          </a:p>
-          <a:p>
-            <a:pPr lvl="2"/>
-            <a:r>
-              <a:rPr lang="en-US" dirty="0" smtClean="0"/>
-              <a:t>36 GPIO pins</a:t>
-            </a:r>
-          </a:p>
-          <a:p>
-            <a:pPr lvl="1"/>
-            <a:r>
-              <a:rPr lang="en-US" dirty="0" smtClean="0"/>
-              <a:t>Solution: use a two-level system (frontend + backend)</a:t>
-            </a:r>
-          </a:p>
-          <a:p>
-            <a:r>
-              <a:rPr lang="en-US" dirty="0" smtClean="0"/>
-              <a:t>UART ISR overflow</a:t>
-            </a:r>
-          </a:p>
-          <a:p>
-            <a:pPr lvl="1"/>
-            <a:r>
-              <a:rPr lang="en-US" dirty="0" smtClean="0"/>
-              <a:t>Occurred when reading RFID tags</a:t>
-            </a:r>
-          </a:p>
-          <a:p>
-            <a:pPr lvl="1"/>
-            <a:r>
-              <a:rPr lang="en-US" dirty="0" smtClean="0"/>
-              <a:t>Limited to specific functions</a:t>
-            </a:r>
-          </a:p>
-          <a:p>
-            <a:pPr lvl="1"/>
-            <a:r>
-              <a:rPr lang="en-US" dirty="0" smtClean="0"/>
-              <a:t>Root cause:</a:t>
-            </a:r>
-          </a:p>
-          <a:p>
-            <a:pPr lvl="2"/>
-            <a:r>
-              <a:rPr lang="en-US" dirty="0" smtClean="0"/>
-              <a:t> excessive context switch lag time</a:t>
-            </a:r>
-          </a:p>
-          <a:p>
-            <a:pPr lvl="1"/>
-            <a:r>
-              <a:rPr lang="en-US" dirty="0" smtClean="0"/>
-              <a:t>Solution: </a:t>
-            </a:r>
-          </a:p>
-          <a:p>
-            <a:pPr lvl="2"/>
-            <a:r>
-              <a:rPr lang="en-US" dirty="0" smtClean="0"/>
-              <a:t>remove function calls within ISR</a:t>
-            </a:r>
-          </a:p>
-          <a:p>
-            <a:pPr lvl="2"/>
-            <a:r>
-              <a:rPr lang="en-US" dirty="0" smtClean="0"/>
-              <a:t>Instruct Compiler to not save data</a:t>
-            </a:r>
-          </a:p>
-          <a:p>
-            <a:pPr lvl="1"/>
-            <a:endParaRPr lang="en-US" dirty="0" smtClean="0"/>
-          </a:p>
-          <a:p>
-            <a:pPr lvl="1"/>
-            <a:endParaRPr lang="en-US" dirty="0"/>
-          </a:p>
-        </p:txBody>
-      </p:sp>
-    </p:spTree>
-    <p:extLst>
-      <p:ext uri="{BB962C8B-B14F-4D97-AF65-F5344CB8AC3E}">
-        <p14:creationId xmlns:p14="http://schemas.microsoft.com/office/powerpoint/2010/main" val="665483476"/>
-      </p:ext>
-    </p:extLst>
-  </p:cSld>
-  <p:clrMapOvr>
-    <a:masterClrMapping/>
-  </p:clrMapOvr>
-</p:sld>
-</file>
-
-<file path=ppt/slides/slide13.xml><?xml version="1.0" encoding="utf-8"?>
-<p:sld xmlns:a="http://schemas.openxmlformats.org/drawingml/2006/main" xmlns:r="http://schemas.openxmlformats.org/officeDocument/2006/relationships" xmlns:p="http://schemas.openxmlformats.org/presentationml/2006/main">
-  <p:cSld>
-    <p:spTree>
-      <p:nvGrpSpPr>
-        <p:cNvPr id="1" name=""/>
-        <p:cNvGrpSpPr/>
-        <p:nvPr/>
-      </p:nvGrpSpPr>
-      <p:grpSpPr>
-        <a:xfrm>
-          <a:off x="0" y="0"/>
-          <a:ext cx="0" cy="0"/>
-          <a:chOff x="0" y="0"/>
-          <a:chExt cx="0" cy="0"/>
-        </a:xfrm>
-      </p:grpSpPr>
-      <p:sp>
-        <p:nvSpPr>
-          <p:cNvPr id="4" name="Title 3"/>
-          <p:cNvSpPr>
-            <a:spLocks noGrp="1"/>
-          </p:cNvSpPr>
-          <p:nvPr>
-            <p:ph type="title"/>
-          </p:nvPr>
-        </p:nvSpPr>
-        <p:spPr/>
-        <p:txBody>
-          <a:bodyPr/>
-          <a:lstStyle/>
-          <a:p>
-            <a:r>
-              <a:rPr lang="en-US" dirty="0" smtClean="0"/>
-              <a:t>Status</a:t>
-            </a:r>
-            <a:endParaRPr lang="en-US" dirty="0"/>
-          </a:p>
-        </p:txBody>
-      </p:sp>
-      <p:pic>
-        <p:nvPicPr>
-          <p:cNvPr id="7" name="Content Placeholder 6"/>
-          <p:cNvPicPr>
-            <a:picLocks noGrp="1" noChangeAspect="1"/>
-          </p:cNvPicPr>
-          <p:nvPr>
-            <p:ph idx="1"/>
-          </p:nvPr>
-        </p:nvPicPr>
-        <p:blipFill>
-          <a:blip r:embed="rId2" cstate="print">
-            <a:extLst>
-              <a:ext uri="{28A0092B-C50C-407E-A947-70E740481C1C}">
-                <a14:useLocalDpi xmlns:a14="http://schemas.microsoft.com/office/drawing/2010/main" val="0"/>
-              </a:ext>
-            </a:extLst>
-          </a:blip>
-          <a:stretch>
-            <a:fillRect/>
-          </a:stretch>
-        </p:blipFill>
+          <p:cNvPr id="3" name="Content Placeholder 2"/>
+          <p:cNvSpPr>
+            <a:spLocks noGrp="1"/>
+          </p:cNvSpPr>
+          <p:nvPr>
+            <p:ph sz="half" idx="1"/>
+          </p:nvPr>
+        </p:nvSpPr>
         <p:spPr>
           <a:xfrm>
-            <a:off x="4179358" y="273050"/>
-            <a:ext cx="3903133" cy="2927350"/>
+            <a:off x="457200" y="1600200"/>
+            <a:ext cx="4419600" cy="4525963"/>
           </a:xfrm>
         </p:spPr>
-      </p:pic>
-      <p:sp>
-        <p:nvSpPr>
-          <p:cNvPr id="6" name="Text Placeholder 5"/>
-          <p:cNvSpPr>
-            <a:spLocks noGrp="1"/>
-          </p:cNvSpPr>
-          <p:nvPr>
-            <p:ph type="body" sz="half" idx="2"/>
-          </p:nvPr>
-        </p:nvSpPr>
-        <p:spPr/>
-        <p:txBody>
-          <a:bodyPr/>
-          <a:lstStyle/>
-          <a:p>
-            <a:r>
-              <a:rPr lang="en-US" dirty="0" smtClean="0"/>
-              <a:t>Most hardware modules tested/working</a:t>
-            </a:r>
-          </a:p>
-          <a:p>
-            <a:endParaRPr lang="en-US" dirty="0"/>
-          </a:p>
-          <a:p>
-            <a:r>
-              <a:rPr lang="en-US" dirty="0" smtClean="0"/>
-              <a:t>Integrating software drivers with scheduler</a:t>
-            </a:r>
-          </a:p>
-          <a:p>
-            <a:endParaRPr lang="en-US" dirty="0"/>
-          </a:p>
-          <a:p>
-            <a:r>
-              <a:rPr lang="en-US" dirty="0" smtClean="0"/>
-              <a:t>Current game idea?</a:t>
-            </a:r>
-            <a:endParaRPr lang="en-US" dirty="0"/>
-          </a:p>
-        </p:txBody>
-      </p:sp>
-      <p:pic>
-        <p:nvPicPr>
-          <p:cNvPr id="8" name="Picture 7"/>
-          <p:cNvPicPr>
-            <a:picLocks noChangeAspect="1"/>
-          </p:cNvPicPr>
-          <p:nvPr/>
-        </p:nvPicPr>
-        <p:blipFill>
-          <a:blip r:embed="rId3" cstate="print">
-            <a:extLst>
-              <a:ext uri="{28A0092B-C50C-407E-A947-70E740481C1C}">
-                <a14:useLocalDpi xmlns:a14="http://schemas.microsoft.com/office/drawing/2010/main" val="0"/>
-              </a:ext>
-            </a:extLst>
-          </a:blip>
-          <a:stretch>
-            <a:fillRect/>
-          </a:stretch>
-        </p:blipFill>
-        <p:spPr>
-          <a:xfrm rot="5400000">
-            <a:off x="4406900" y="3670300"/>
-            <a:ext cx="3149600" cy="2362200"/>
-          </a:xfrm>
-          <a:prstGeom prst="rect">
-            <a:avLst/>
-          </a:prstGeom>
-        </p:spPr>
-      </p:pic>
-    </p:spTree>
-    <p:extLst>
-      <p:ext uri="{BB962C8B-B14F-4D97-AF65-F5344CB8AC3E}">
-        <p14:creationId xmlns:p14="http://schemas.microsoft.com/office/powerpoint/2010/main" val="2490425786"/>
-      </p:ext>
-    </p:extLst>
-  </p:cSld>
-  <p:clrMapOvr>
-    <a:masterClrMapping/>
-  </p:clrMapOvr>
-</p:sld>
-</file>
-
-<file path=ppt/slides/slide14.xml><?xml version="1.0" encoding="utf-8"?>
-<p:sld xmlns:a="http://schemas.openxmlformats.org/drawingml/2006/main" xmlns:r="http://schemas.openxmlformats.org/officeDocument/2006/relationships" xmlns:p="http://schemas.openxmlformats.org/presentationml/2006/main">
-  <p:cSld>
-    <p:spTree>
-      <p:nvGrpSpPr>
-        <p:cNvPr id="1" name=""/>
-        <p:cNvGrpSpPr/>
-        <p:nvPr/>
-      </p:nvGrpSpPr>
-      <p:grpSpPr>
-        <a:xfrm>
-          <a:off x="0" y="0"/>
-          <a:ext cx="0" cy="0"/>
-          <a:chOff x="0" y="0"/>
-          <a:chExt cx="0" cy="0"/>
-        </a:xfrm>
-      </p:grpSpPr>
-      <p:sp>
-        <p:nvSpPr>
-          <p:cNvPr id="2" name="Title 1"/>
-          <p:cNvSpPr>
-            <a:spLocks noGrp="1"/>
-          </p:cNvSpPr>
-          <p:nvPr>
-            <p:ph type="title"/>
-          </p:nvPr>
-        </p:nvSpPr>
-        <p:spPr/>
-        <p:txBody>
-          <a:bodyPr/>
-          <a:lstStyle/>
-          <a:p>
-            <a:r>
-              <a:rPr lang="en-US" dirty="0" smtClean="0"/>
-              <a:t>Future work</a:t>
-            </a:r>
-            <a:endParaRPr lang="en-US" dirty="0"/>
-          </a:p>
-        </p:txBody>
-      </p:sp>
-      <p:sp>
-        <p:nvSpPr>
-          <p:cNvPr id="3" name="Content Placeholder 2"/>
-          <p:cNvSpPr>
-            <a:spLocks noGrp="1"/>
-          </p:cNvSpPr>
-          <p:nvPr>
-            <p:ph sz="half" idx="1"/>
-          </p:nvPr>
-        </p:nvSpPr>
-        <p:spPr/>
         <p:txBody>
           <a:bodyPr/>
           <a:lstStyle/>
@@ -3898,15 +3739,29 @@
               <a:t> / intersystem </a:t>
             </a:r>
             <a:r>
-              <a:rPr lang="en-US" dirty="0" err="1" smtClean="0"/>
-              <a:t>comm</a:t>
+              <a:rPr lang="en-US" dirty="0" smtClean="0"/>
+              <a:t>communication</a:t>
+            </a:r>
+          </a:p>
+          <a:p>
+            <a:r>
+              <a:rPr lang="en-US" dirty="0"/>
+              <a:t>Implement motor </a:t>
+            </a:r>
+            <a:r>
+              <a:rPr lang="en-US" dirty="0" smtClean="0"/>
+              <a:t>driver</a:t>
             </a:r>
             <a:endParaRPr lang="en-US" dirty="0" smtClean="0"/>
           </a:p>
           <a:p>
             <a:r>
               <a:rPr lang="en-US" dirty="0" smtClean="0"/>
-              <a:t>Game loading software</a:t>
+              <a:t>Game loading </a:t>
+            </a:r>
+            <a:r>
+              <a:rPr lang="en-US" dirty="0" smtClean="0"/>
+              <a:t>software</a:t>
             </a:r>
           </a:p>
           <a:p>
@@ -3941,7 +3796,7 @@
         </p:blipFill>
         <p:spPr>
           <a:xfrm rot="5400000">
-            <a:off x="4648200" y="2348706"/>
+            <a:off x="4676775" y="2257425"/>
             <a:ext cx="4038600" cy="3028950"/>
           </a:xfrm>
         </p:spPr>
@@ -4009,9 +3864,16 @@
             <p:ph idx="1"/>
           </p:nvPr>
         </p:nvSpPr>
-        <p:spPr/>
-        <p:txBody>
-          <a:bodyPr/>
+        <p:spPr>
+          <a:xfrm>
+            <a:off x="457200" y="1524000"/>
+            <a:ext cx="8229600" cy="4602163"/>
+          </a:xfrm>
+        </p:spPr>
+        <p:txBody>
+          <a:bodyPr>
+            <a:normAutofit fontScale="92500" lnSpcReduction="10000"/>
+          </a:bodyPr>
           <a:lstStyle/>
           <a:p>
             <a:r>
@@ -4044,8 +3906,24 @@
             <a:pPr lvl="1"/>
             <a:r>
               <a:rPr lang="en-US" dirty="0" smtClean="0"/>
-              <a:t>Teach children</a:t>
-            </a:r>
+              <a:t>Teach </a:t>
+            </a:r>
+            <a:r>
+              <a:rPr lang="en-US" dirty="0" smtClean="0"/>
+              <a:t>children</a:t>
+            </a:r>
+          </a:p>
+          <a:p>
+            <a:pPr marL="457200" lvl="1" indent="0">
+              <a:buNone/>
+            </a:pPr>
+            <a:endParaRPr lang="en-US" dirty="0" smtClean="0"/>
+          </a:p>
+          <a:p>
+            <a:pPr marL="457200" lvl="1" indent="0">
+              <a:buNone/>
+            </a:pPr>
+            <a:endParaRPr lang="en-US" dirty="0" smtClean="0"/>
           </a:p>
           <a:p>
             <a:r>
@@ -4070,6 +3948,47 @@
           </a:p>
         </p:txBody>
       </p:sp>
+      <p:pic>
+        <p:nvPicPr>
+          <p:cNvPr id="2050" name="Picture 2" descr="http://img4.wikia.nocookie.net/__cb20090911222820/yugioh/images/c/c0/Jack_Duel_Disk.jpg"/>
+          <p:cNvPicPr>
+            <a:picLocks noChangeAspect="1" noChangeArrowheads="1"/>
+          </p:cNvPicPr>
+          <p:nvPr/>
+        </p:nvPicPr>
+        <p:blipFill>
+          <a:blip r:embed="rId2">
+            <a:extLst>
+              <a:ext uri="{28A0092B-C50C-407E-A947-70E740481C1C}">
+                <a14:useLocalDpi xmlns:a14="http://schemas.microsoft.com/office/drawing/2010/main" val="0"/>
+              </a:ext>
+            </a:extLst>
+          </a:blip>
+          <a:srcRect/>
+          <a:stretch>
+            <a:fillRect/>
+          </a:stretch>
+        </p:blipFill>
+        <p:spPr bwMode="auto">
+          <a:xfrm>
+            <a:off x="3733800" y="3581400"/>
+            <a:ext cx="3502957" cy="1371600"/>
+          </a:xfrm>
+          <a:prstGeom prst="rect">
+            <a:avLst/>
+          </a:prstGeom>
+          <a:noFill/>
+          <a:extLst>
+            <a:ext uri="{909E8E84-426E-40DD-AFC4-6F175D3DCCD1}">
+              <a14:hiddenFill xmlns:a14="http://schemas.microsoft.com/office/drawing/2010/main">
+                <a:solidFill>
+                  <a:srgbClr val="FFFFFF"/>
+                </a:solidFill>
+              </a14:hiddenFill>
+            </a:ext>
+          </a:extLst>
+        </p:spPr>
+      </p:pic>
     </p:spTree>
     <p:extLst>
       <p:ext uri="{BB962C8B-B14F-4D97-AF65-F5344CB8AC3E}">
@@ -4148,8 +4067,6 @@
               <a:rPr lang="en-US" dirty="0" smtClean="0"/>
               <a:t>Documentation</a:t>
             </a:r>
-          </a:p>
-          <a:p>
             <a:endParaRPr lang="en-US" dirty="0"/>
           </a:p>
           <a:p>
@@ -4207,7 +4124,7 @@
           <a:p>
             <a:r>
               <a:rPr lang="en-US" dirty="0" smtClean="0"/>
-              <a:t>Presentation Flyover</a:t>
+              <a:t>System Requirements</a:t>
             </a:r>
             <a:endParaRPr lang="en-US" dirty="0"/>
           </a:p>
@@ -4215,116 +4132,81 @@
       </p:sp>
       <p:sp>
         <p:nvSpPr>
-          <p:cNvPr id="4" name="Content Placeholder 3"/>
-          <p:cNvSpPr>
-            <a:spLocks noGrp="1"/>
-          </p:cNvSpPr>
-          <p:nvPr>
-            <p:ph sz="half" idx="1"/>
+          <p:cNvPr id="3" name="Content Placeholder 2"/>
+          <p:cNvSpPr>
+            <a:spLocks noGrp="1"/>
+          </p:cNvSpPr>
+          <p:nvPr>
+            <p:ph idx="1"/>
           </p:nvPr>
         </p:nvSpPr>
         <p:spPr/>
         <p:txBody>
           <a:bodyPr>
-            <a:normAutofit/>
+            <a:normAutofit fontScale="85000" lnSpcReduction="10000"/>
           </a:bodyPr>
           <a:lstStyle/>
           <a:p>
             <a:r>
               <a:rPr lang="en-US" dirty="0" smtClean="0"/>
-              <a:t>Vision &amp; project Summary</a:t>
-            </a:r>
-          </a:p>
-          <a:p>
-            <a:r>
-              <a:rPr lang="en-US" dirty="0" smtClean="0"/>
-              <a:t>Deliverables</a:t>
-            </a:r>
-          </a:p>
-          <a:p>
-            <a:r>
-              <a:rPr lang="en-US" dirty="0" smtClean="0"/>
-              <a:t>Define requirements and specifications</a:t>
-            </a:r>
-          </a:p>
-        </p:txBody>
-      </p:sp>
-      <p:sp>
-        <p:nvSpPr>
-          <p:cNvPr id="5" name="Content Placeholder 4"/>
-          <p:cNvSpPr>
-            <a:spLocks noGrp="1"/>
-          </p:cNvSpPr>
-          <p:nvPr>
-            <p:ph sz="half" idx="2"/>
-          </p:nvPr>
-        </p:nvSpPr>
-        <p:spPr/>
-        <p:txBody>
-          <a:bodyPr>
-            <a:normAutofit/>
-          </a:bodyPr>
-          <a:lstStyle/>
-          <a:p>
-            <a:r>
-              <a:rPr lang="en-US" dirty="0" smtClean="0"/>
-              <a:t>High level implementation details</a:t>
-            </a:r>
-          </a:p>
-          <a:p>
-            <a:pPr lvl="1"/>
-            <a:r>
-              <a:rPr lang="en-US" dirty="0" smtClean="0"/>
-              <a:t>Describe HW/SW</a:t>
-            </a:r>
-          </a:p>
-          <a:p>
-            <a:pPr lvl="1"/>
-            <a:r>
-              <a:rPr lang="en-US" dirty="0" smtClean="0"/>
-              <a:t>System flow</a:t>
-            </a:r>
-          </a:p>
-          <a:p>
-            <a:pPr lvl="1"/>
-            <a:r>
-              <a:rPr lang="en-US" dirty="0" smtClean="0"/>
-              <a:t>General game play</a:t>
-            </a:r>
-          </a:p>
-          <a:p>
-            <a:r>
-              <a:rPr lang="en-US" dirty="0" smtClean="0"/>
-              <a:t>Issues encountered</a:t>
-            </a:r>
-          </a:p>
-          <a:p>
-            <a:r>
-              <a:rPr lang="en-US" dirty="0" smtClean="0"/>
-              <a:t>Latest Results</a:t>
-            </a:r>
-          </a:p>
-          <a:p>
-            <a:r>
-              <a:rPr lang="en-US" dirty="0" smtClean="0"/>
-              <a:t>Current project status</a:t>
-            </a:r>
-          </a:p>
-          <a:p>
-            <a:r>
-              <a:rPr lang="en-US" dirty="0" smtClean="0"/>
-              <a:t>Comments</a:t>
-            </a:r>
-          </a:p>
-          <a:p>
-            <a:endParaRPr lang="en-US" dirty="0" smtClean="0"/>
+              <a:t>Read multiple RFID tags</a:t>
+            </a:r>
+          </a:p>
+          <a:p>
+            <a:r>
+              <a:rPr lang="en-US" dirty="0" smtClean="0"/>
+              <a:t>Physically react to placed cards</a:t>
+            </a:r>
+          </a:p>
+          <a:p>
+            <a:r>
+              <a:rPr lang="en-US" dirty="0" smtClean="0"/>
+              <a:t>Display data on cards /or players</a:t>
+            </a:r>
+          </a:p>
+          <a:p>
+            <a:r>
+              <a:rPr lang="en-US" dirty="0" smtClean="0"/>
+              <a:t>Communicate wirelessly on multiple frequencies</a:t>
+            </a:r>
+          </a:p>
+          <a:p>
+            <a:r>
+              <a:rPr lang="en-US" dirty="0" smtClean="0"/>
+              <a:t>Interact with user and respond to user input</a:t>
+            </a:r>
+          </a:p>
+          <a:p>
+            <a:r>
+              <a:rPr lang="en-US" dirty="0" smtClean="0"/>
+              <a:t>Track game progress and display relevant game information</a:t>
+            </a:r>
+          </a:p>
+          <a:p>
+            <a:r>
+              <a:rPr lang="en-US" dirty="0" smtClean="0"/>
+              <a:t>Manipulate game data</a:t>
+            </a:r>
+          </a:p>
+          <a:p>
+            <a:r>
+              <a:rPr lang="en-US" dirty="0" smtClean="0"/>
+              <a:t>Maintain a database of cards</a:t>
+            </a:r>
+          </a:p>
+          <a:p>
+            <a:r>
+              <a:rPr lang="en-US" dirty="0" smtClean="0"/>
+              <a:t>Run fast enough to provide “real-time” user experience</a:t>
+            </a:r>
+            <a:endParaRPr lang="en-US" dirty="0"/>
           </a:p>
         </p:txBody>
       </p:sp>
     </p:spTree>
     <p:extLst>
       <p:ext uri="{BB962C8B-B14F-4D97-AF65-F5344CB8AC3E}">
-        <p14:creationId xmlns:p14="http://schemas.microsoft.com/office/powerpoint/2010/main" val="3317920656"/>
+        <p14:creationId xmlns:p14="http://schemas.microsoft.com/office/powerpoint/2010/main" val="2892031142"/>
       </p:ext>
     </p:extLst>
   </p:cSld>
@@ -4368,7 +4250,7 @@
           <a:p>
             <a:r>
               <a:rPr lang="en-US" dirty="0" smtClean="0"/>
-              <a:t>System Requirements</a:t>
+              <a:t>Specifications</a:t>
             </a:r>
             <a:endParaRPr lang="en-US" dirty="0"/>
           </a:p>
@@ -4386,71 +4268,53 @@
         </p:nvSpPr>
         <p:spPr/>
         <p:txBody>
-          <a:bodyPr>
-            <a:normAutofit fontScale="85000" lnSpcReduction="10000"/>
-          </a:bodyPr>
-          <a:lstStyle/>
-          <a:p>
-            <a:r>
-              <a:rPr lang="en-US" dirty="0" smtClean="0"/>
-              <a:t>Read multiple RFID tags</a:t>
-            </a:r>
-          </a:p>
-          <a:p>
-            <a:r>
-              <a:rPr lang="en-US" dirty="0" smtClean="0"/>
-              <a:t>Physically react to placed cards</a:t>
-            </a:r>
-          </a:p>
-          <a:p>
-            <a:r>
-              <a:rPr lang="en-US" dirty="0" smtClean="0"/>
-              <a:t>Display data on cards /or players</a:t>
-            </a:r>
-          </a:p>
-          <a:p>
-            <a:r>
-              <a:rPr lang="en-US" dirty="0" smtClean="0"/>
-              <a:t>Communicate wirelessly on multiple frequencies</a:t>
-            </a:r>
-          </a:p>
-          <a:p>
-            <a:r>
-              <a:rPr lang="en-US" dirty="0" smtClean="0"/>
-              <a:t>Interact with user and respond to user input</a:t>
-            </a:r>
-          </a:p>
-          <a:p>
-            <a:r>
-              <a:rPr lang="en-US" dirty="0" smtClean="0"/>
-              <a:t>Track game progress and display relevant game information</a:t>
-            </a:r>
-          </a:p>
-          <a:p>
-            <a:r>
-              <a:rPr lang="en-US" dirty="0" smtClean="0"/>
-              <a:t>Manipulate game data</a:t>
-            </a:r>
-          </a:p>
-          <a:p>
-            <a:r>
-              <a:rPr lang="en-US" dirty="0" smtClean="0"/>
-              <a:t>Maintain a database of cards</a:t>
-            </a:r>
-          </a:p>
-          <a:p>
-            <a:r>
-              <a:rPr lang="en-US" dirty="0" smtClean="0"/>
-              <a:t>Run fast enough to provide “real-time” user experience</a:t>
-            </a:r>
-            <a:endParaRPr lang="en-US" dirty="0"/>
+          <a:bodyPr/>
+          <a:lstStyle/>
+          <a:p>
+            <a:r>
+              <a:rPr lang="en-US" dirty="0"/>
+              <a:t>Operate under normal household conditions</a:t>
+            </a:r>
+          </a:p>
+          <a:p>
+            <a:r>
+              <a:rPr lang="en-US" dirty="0"/>
+              <a:t>Compliant with EIA-232, ISO15693, I2C, FCC Part 15.A,C standards</a:t>
+            </a:r>
+          </a:p>
+          <a:p>
+            <a:pPr lvl="0"/>
+            <a:r>
+              <a:rPr lang="en-US" dirty="0"/>
+              <a:t>Frequency in the 2.4 GHz range for wireless communication with </a:t>
+            </a:r>
+            <a:r>
+              <a:rPr lang="en-US" dirty="0" err="1"/>
+              <a:t>Xbee</a:t>
+            </a:r>
+            <a:r>
+              <a:rPr lang="en-US" dirty="0"/>
+              <a:t> modules</a:t>
+            </a:r>
+          </a:p>
+          <a:p>
+            <a:r>
+              <a:rPr lang="en-US" dirty="0"/>
+              <a:t>Withstand children</a:t>
+            </a:r>
+          </a:p>
+          <a:p>
+            <a:pPr marL="0" indent="0">
+              <a:buNone/>
+            </a:pPr>
+            <a:endParaRPr lang="en-US" dirty="0" smtClean="0"/>
           </a:p>
         </p:txBody>
       </p:sp>
     </p:spTree>
     <p:extLst>
       <p:ext uri="{BB962C8B-B14F-4D97-AF65-F5344CB8AC3E}">
-        <p14:creationId xmlns:p14="http://schemas.microsoft.com/office/powerpoint/2010/main" val="2892031142"/>
+        <p14:creationId xmlns:p14="http://schemas.microsoft.com/office/powerpoint/2010/main" val="2674199624"/>
       </p:ext>
     </p:extLst>
   </p:cSld>
@@ -4494,48 +4358,45 @@
           <a:p>
             <a:r>
               <a:rPr lang="en-US" dirty="0" smtClean="0"/>
-              <a:t>Specifications</a:t>
+              <a:t>Our Idea: Hardware</a:t>
             </a:r>
             <a:endParaRPr lang="en-US" dirty="0"/>
           </a:p>
         </p:txBody>
       </p:sp>
-      <p:sp>
-        <p:nvSpPr>
-          <p:cNvPr id="3" name="Content Placeholder 2"/>
-          <p:cNvSpPr>
-            <a:spLocks noGrp="1"/>
-          </p:cNvSpPr>
+      <p:pic>
+        <p:nvPicPr>
+          <p:cNvPr id="4" name="Content Placeholder 3"/>
+          <p:cNvPicPr>
+            <a:picLocks noGrp="1" noChangeAspect="1"/>
+          </p:cNvPicPr>
           <p:nvPr>
             <p:ph idx="1"/>
           </p:nvPr>
-        </p:nvSpPr>
-        <p:spPr/>
-        <p:txBody>
-          <a:bodyPr/>
-          <a:lstStyle/>
-          <a:p>
-            <a:endParaRPr lang="en-US" dirty="0" smtClean="0"/>
-          </a:p>
-          <a:p>
-            <a:r>
-              <a:rPr lang="en-US" dirty="0" smtClean="0"/>
-              <a:t>Operate under normal household conditions</a:t>
-            </a:r>
-          </a:p>
-          <a:p>
-            <a:r>
-              <a:rPr lang="en-US" dirty="0" smtClean="0"/>
-              <a:t>Compliant with EIA-232, ISO15693, I2C, FCC Part 15.A,C standards</a:t>
-            </a:r>
-            <a:endParaRPr lang="en-US" dirty="0"/>
-          </a:p>
-        </p:txBody>
-      </p:sp>
+        </p:nvPicPr>
+        <p:blipFill>
+          <a:blip r:embed="rId2">
+            <a:extLst>
+              <a:ext uri="{28A0092B-C50C-407E-A947-70E740481C1C}">
+                <a14:useLocalDpi xmlns:a14="http://schemas.microsoft.com/office/drawing/2010/main" val="0"/>
+              </a:ext>
+            </a:extLst>
+          </a:blip>
+          <a:stretch>
+            <a:fillRect/>
+          </a:stretch>
+        </p:blipFill>
+        <p:spPr>
+          <a:xfrm>
+            <a:off x="806682" y="1295400"/>
+            <a:ext cx="7530635" cy="5258395"/>
+          </a:xfrm>
+        </p:spPr>
+      </p:pic>
     </p:spTree>
     <p:extLst>
       <p:ext uri="{BB962C8B-B14F-4D97-AF65-F5344CB8AC3E}">
-        <p14:creationId xmlns:p14="http://schemas.microsoft.com/office/powerpoint/2010/main" val="2674199624"/>
+        <p14:creationId xmlns:p14="http://schemas.microsoft.com/office/powerpoint/2010/main" val="904233671"/>
       </p:ext>
     </p:extLst>
   </p:cSld>
@@ -4579,45 +4440,280 @@
           <a:p>
             <a:r>
               <a:rPr lang="en-US" dirty="0" smtClean="0"/>
-              <a:t>Our Idea: Hardware</a:t>
-            </a:r>
+              <a:t>Hardware summary</a:t>
+            </a:r>
+            <a:endParaRPr lang="en-US" dirty="0"/>
+          </a:p>
+        </p:txBody>
+      </p:sp>
+      <p:sp>
+        <p:nvSpPr>
+          <p:cNvPr id="3" name="Content Placeholder 2"/>
+          <p:cNvSpPr>
+            <a:spLocks noGrp="1"/>
+          </p:cNvSpPr>
+          <p:nvPr>
+            <p:ph idx="1"/>
+          </p:nvPr>
+        </p:nvSpPr>
+        <p:spPr>
+          <a:xfrm>
+            <a:off x="457200" y="1600200"/>
+            <a:ext cx="8229600" cy="4800600"/>
+          </a:xfrm>
+        </p:spPr>
+        <p:txBody>
+          <a:bodyPr>
+            <a:normAutofit fontScale="85000" lnSpcReduction="20000"/>
+          </a:bodyPr>
+          <a:lstStyle/>
+          <a:p>
+            <a:r>
+              <a:rPr lang="en-US" dirty="0" smtClean="0"/>
+              <a:t>Components (single system):</a:t>
+            </a:r>
+          </a:p>
+          <a:p>
+            <a:pPr lvl="2"/>
+            <a:r>
+              <a:rPr lang="en-US" dirty="0" smtClean="0"/>
+              <a:t>RFID Reader/Writer</a:t>
+            </a:r>
+          </a:p>
+          <a:p>
+            <a:pPr lvl="2"/>
+            <a:r>
+              <a:rPr lang="en-US" dirty="0" err="1" smtClean="0"/>
+              <a:t>XBee</a:t>
+            </a:r>
+            <a:r>
+              <a:rPr lang="en-US" dirty="0" smtClean="0"/>
+              <a:t> 802.11.4</a:t>
+            </a:r>
+          </a:p>
+          <a:p>
+            <a:pPr lvl="2"/>
+            <a:r>
+              <a:rPr lang="en-US" dirty="0" smtClean="0"/>
+              <a:t>(2) GAL22V10</a:t>
+            </a:r>
+          </a:p>
+          <a:p>
+            <a:pPr lvl="2"/>
+            <a:r>
+              <a:rPr lang="en-US" dirty="0" smtClean="0"/>
+              <a:t>(2) PIC18F46K22</a:t>
+            </a:r>
+          </a:p>
+          <a:p>
+            <a:pPr lvl="2"/>
+            <a:r>
+              <a:rPr lang="en-US" dirty="0" smtClean="0"/>
+              <a:t>(2) 2k 8-bit SRAM</a:t>
+            </a:r>
+          </a:p>
+          <a:p>
+            <a:pPr lvl="2"/>
+            <a:r>
+              <a:rPr lang="en-US" dirty="0" smtClean="0"/>
+              <a:t>16-key keypad</a:t>
+            </a:r>
+          </a:p>
+          <a:p>
+            <a:pPr lvl="2"/>
+            <a:r>
+              <a:rPr lang="en-US" dirty="0" smtClean="0"/>
+              <a:t>128 x 160 Color</a:t>
+            </a:r>
+            <a:r>
+              <a:rPr lang="en-US" dirty="0" smtClean="0"/>
+              <a:t> </a:t>
+            </a:r>
+            <a:r>
+              <a:rPr lang="en-US" dirty="0" smtClean="0"/>
+              <a:t>LCD</a:t>
+            </a:r>
+          </a:p>
+          <a:p>
+            <a:pPr lvl="2"/>
+            <a:r>
+              <a:rPr lang="en-US" dirty="0" smtClean="0"/>
+              <a:t>3.3v regulator</a:t>
+            </a:r>
+          </a:p>
+          <a:p>
+            <a:pPr lvl="2"/>
+            <a:r>
+              <a:rPr lang="en-US" dirty="0" smtClean="0"/>
+              <a:t>(4) switches</a:t>
+            </a:r>
+          </a:p>
+          <a:p>
+            <a:pPr lvl="2"/>
+            <a:r>
+              <a:rPr lang="en-US" dirty="0" smtClean="0"/>
+              <a:t>H-bridge</a:t>
+            </a:r>
+          </a:p>
+          <a:p>
+            <a:pPr lvl="2"/>
+            <a:r>
+              <a:rPr lang="en-US" dirty="0" smtClean="0"/>
+              <a:t>Linear servo</a:t>
+            </a:r>
+          </a:p>
+          <a:p>
+            <a:pPr lvl="2"/>
+            <a:r>
+              <a:rPr lang="en-US" dirty="0" smtClean="0"/>
+              <a:t>20MHz Crystal Oscillator</a:t>
+            </a:r>
+          </a:p>
+          <a:p>
+            <a:pPr lvl="2"/>
+            <a:r>
+              <a:rPr lang="en-US" dirty="0" smtClean="0"/>
+              <a:t>CMOS hex buffer (non-inverting)</a:t>
+            </a:r>
+          </a:p>
+          <a:p>
+            <a:pPr lvl="2"/>
+            <a:r>
+              <a:rPr lang="en-US" dirty="0" smtClean="0"/>
+              <a:t>(3) RGB LEDs</a:t>
+            </a:r>
+          </a:p>
+          <a:p>
+            <a:pPr lvl="2"/>
             <a:endParaRPr lang="en-US" dirty="0"/>
           </a:p>
         </p:txBody>
       </p:sp>
       <p:pic>
         <p:nvPicPr>
-          <p:cNvPr id="4" name="Content Placeholder 3"/>
+          <p:cNvPr id="1028" name="Picture 4" descr="1.8"/>
           <p:cNvPicPr>
-            <a:picLocks noGrp="1" noChangeAspect="1"/>
+            <a:picLocks noChangeAspect="1" noChangeArrowheads="1"/>
           </p:cNvPicPr>
-          <p:nvPr>
-            <p:ph idx="1"/>
-          </p:nvPr>
+          <p:nvPr/>
         </p:nvPicPr>
         <p:blipFill>
-          <a:blip r:embed="rId2">
+          <a:blip r:embed="rId2" cstate="print">
             <a:extLst>
               <a:ext uri="{28A0092B-C50C-407E-A947-70E740481C1C}">
                 <a14:useLocalDpi xmlns:a14="http://schemas.microsoft.com/office/drawing/2010/main" val="0"/>
               </a:ext>
             </a:extLst>
           </a:blip>
+          <a:srcRect/>
           <a:stretch>
             <a:fillRect/>
           </a:stretch>
         </p:blipFill>
-        <p:spPr>
+        <p:spPr bwMode="auto">
           <a:xfrm>
-            <a:off x="1066800" y="1219200"/>
-            <a:ext cx="7136471" cy="4983163"/>
+            <a:off x="5654223" y="1428810"/>
+            <a:ext cx="2384425" cy="1789548"/>
           </a:xfrm>
+          <a:prstGeom prst="rect">
+            <a:avLst/>
+          </a:prstGeom>
+          <a:noFill/>
+          <a:extLst>
+            <a:ext uri="{909E8E84-426E-40DD-AFC4-6F175D3DCCD1}">
+              <a14:hiddenFill xmlns:a14="http://schemas.microsoft.com/office/drawing/2010/main">
+                <a:solidFill>
+                  <a:srgbClr val="FFFFFF"/>
+                </a:solidFill>
+              </a14:hiddenFill>
+            </a:ext>
+          </a:extLst>
+        </p:spPr>
+      </p:pic>
+      <p:pic>
+        <p:nvPicPr>
+          <p:cNvPr id="1030" name="Picture 6" descr="http://www.vetco.net/catalog/images/VUPN7082-1.jpg"/>
+          <p:cNvPicPr>
+            <a:picLocks noChangeAspect="1" noChangeArrowheads="1"/>
+          </p:cNvPicPr>
+          <p:nvPr/>
+        </p:nvPicPr>
+        <p:blipFill rotWithShape="1">
+          <a:blip r:embed="rId3" cstate="print">
+            <a:extLst>
+              <a:ext uri="{28A0092B-C50C-407E-A947-70E740481C1C}">
+                <a14:useLocalDpi xmlns:a14="http://schemas.microsoft.com/office/drawing/2010/main" val="0"/>
+              </a:ext>
+            </a:extLst>
+          </a:blip>
+          <a:srcRect l="7720" t="8578" r="3496" b="5641"/>
+          <a:stretch/>
+        </p:blipFill>
+        <p:spPr bwMode="auto">
+          <a:xfrm>
+            <a:off x="5932035" y="3440378"/>
+            <a:ext cx="1828800" cy="1590261"/>
+          </a:xfrm>
+          <a:prstGeom prst="rect">
+            <a:avLst/>
+          </a:prstGeom>
+          <a:noFill/>
+          <a:extLst>
+            <a:ext uri="{909E8E84-426E-40DD-AFC4-6F175D3DCCD1}">
+              <a14:hiddenFill xmlns:a14="http://schemas.microsoft.com/office/drawing/2010/main">
+                <a:solidFill>
+                  <a:srgbClr val="FFFFFF"/>
+                </a:solidFill>
+              </a14:hiddenFill>
+            </a:ext>
+          </a:extLst>
+        </p:spPr>
+      </p:pic>
+      <p:pic>
+        <p:nvPicPr>
+          <p:cNvPr id="1032" name="Picture 8" descr="http://www.dlpdesign.com/images/rfid2.jpg"/>
+          <p:cNvPicPr>
+            <a:picLocks noChangeAspect="1" noChangeArrowheads="1"/>
+          </p:cNvPicPr>
+          <p:nvPr/>
+        </p:nvPicPr>
+        <p:blipFill>
+          <a:blip r:embed="rId4" cstate="print">
+            <a:extLst>
+              <a:ext uri="{28A0092B-C50C-407E-A947-70E740481C1C}">
+                <a14:useLocalDpi xmlns:a14="http://schemas.microsoft.com/office/drawing/2010/main" val="0"/>
+              </a:ext>
+            </a:extLst>
+          </a:blip>
+          <a:srcRect/>
+          <a:stretch>
+            <a:fillRect/>
+          </a:stretch>
+        </p:blipFill>
+        <p:spPr bwMode="auto">
+          <a:xfrm>
+            <a:off x="5932035" y="5410200"/>
+            <a:ext cx="1866448" cy="781807"/>
+          </a:xfrm>
+          <a:prstGeom prst="rect">
+            <a:avLst/>
+          </a:prstGeom>
+          <a:noFill/>
+          <a:extLst>
+            <a:ext uri="{909E8E84-426E-40DD-AFC4-6F175D3DCCD1}">
+              <a14:hiddenFill xmlns:a14="http://schemas.microsoft.com/office/drawing/2010/main">
+                <a:solidFill>
+                  <a:srgbClr val="FFFFFF"/>
+                </a:solidFill>
+              </a14:hiddenFill>
+            </a:ext>
+          </a:extLst>
         </p:spPr>
       </p:pic>
     </p:spTree>
     <p:extLst>
       <p:ext uri="{BB962C8B-B14F-4D97-AF65-F5344CB8AC3E}">
-        <p14:creationId xmlns:p14="http://schemas.microsoft.com/office/powerpoint/2010/main" val="904233671"/>
+        <p14:creationId xmlns:p14="http://schemas.microsoft.com/office/powerpoint/2010/main" val="3613275309"/>
       </p:ext>
     </p:extLst>
   </p:cSld>
@@ -4644,6 +4740,35 @@
           <a:chExt cx="0" cy="0"/>
         </a:xfrm>
       </p:grpSpPr>
+      <p:pic>
+        <p:nvPicPr>
+          <p:cNvPr id="6" name="Content Placeholder 5"/>
+          <p:cNvPicPr>
+            <a:picLocks noGrp="1" noChangeAspect="1"/>
+          </p:cNvPicPr>
+          <p:nvPr>
+            <p:ph idx="1"/>
+          </p:nvPr>
+        </p:nvPicPr>
+        <p:blipFill>
+          <a:blip r:embed="rId2">
+            <a:extLst>
+              <a:ext uri="{28A0092B-C50C-407E-A947-70E740481C1C}">
+                <a14:useLocalDpi xmlns:a14="http://schemas.microsoft.com/office/drawing/2010/main" val="0"/>
+              </a:ext>
+            </a:extLst>
+          </a:blip>
+          <a:stretch>
+            <a:fillRect/>
+          </a:stretch>
+        </p:blipFill>
+        <p:spPr>
+          <a:xfrm>
+            <a:off x="457200" y="1524000"/>
+            <a:ext cx="8149376" cy="4724400"/>
+          </a:xfrm>
+        </p:spPr>
+      </p:pic>
       <p:sp>
         <p:nvSpPr>
           <p:cNvPr id="2" name="Title 1"/>
@@ -4654,153 +4779,30 @@
             <p:ph type="title"/>
           </p:nvPr>
         </p:nvSpPr>
-        <p:spPr/>
-        <p:txBody>
-          <a:bodyPr/>
-          <a:lstStyle/>
-          <a:p>
-            <a:r>
-              <a:rPr lang="en-US" dirty="0" smtClean="0"/>
-              <a:t>Hardware summary</a:t>
-            </a:r>
-            <a:endParaRPr lang="en-US" dirty="0"/>
-          </a:p>
-        </p:txBody>
-      </p:sp>
-      <p:sp>
-        <p:nvSpPr>
-          <p:cNvPr id="3" name="Content Placeholder 2"/>
-          <p:cNvSpPr>
-            <a:spLocks noGrp="1"/>
-          </p:cNvSpPr>
-          <p:nvPr>
-            <p:ph idx="1"/>
-          </p:nvPr>
-        </p:nvSpPr>
-        <p:spPr/>
+        <p:spPr>
+          <a:xfrm>
+            <a:off x="609600" y="152400"/>
+            <a:ext cx="3008313" cy="781050"/>
+          </a:xfrm>
+        </p:spPr>
         <p:txBody>
           <a:bodyPr>
-            <a:normAutofit fontScale="77500" lnSpcReduction="20000"/>
+            <a:normAutofit/>
           </a:bodyPr>
           <a:lstStyle/>
           <a:p>
             <a:r>
-              <a:rPr lang="en-US" dirty="0" smtClean="0"/>
-              <a:t>Components (single system):</a:t>
-            </a:r>
-          </a:p>
-          <a:p>
-            <a:pPr lvl="2"/>
-            <a:r>
-              <a:rPr lang="en-US" dirty="0" smtClean="0"/>
-              <a:t>RFID Reader/Writer</a:t>
-            </a:r>
-          </a:p>
-          <a:p>
-            <a:pPr lvl="2"/>
-            <a:r>
-              <a:rPr lang="en-US" dirty="0" err="1" smtClean="0"/>
-              <a:t>XBee</a:t>
-            </a:r>
-            <a:r>
-              <a:rPr lang="en-US" dirty="0" smtClean="0"/>
-              <a:t> 802.11.4</a:t>
-            </a:r>
-          </a:p>
-          <a:p>
-            <a:pPr lvl="2"/>
-            <a:r>
-              <a:rPr lang="en-US" dirty="0" smtClean="0"/>
-              <a:t>(2) GAL22V10</a:t>
-            </a:r>
-          </a:p>
-          <a:p>
-            <a:pPr lvl="2"/>
-            <a:r>
-              <a:rPr lang="en-US" dirty="0" smtClean="0"/>
-              <a:t>(2) PIC18F46K22</a:t>
-            </a:r>
-          </a:p>
-          <a:p>
-            <a:pPr lvl="2"/>
-            <a:r>
-              <a:rPr lang="en-US" dirty="0" smtClean="0"/>
-              <a:t>(2) 2k 8-bit SRAM</a:t>
-            </a:r>
-          </a:p>
-          <a:p>
-            <a:pPr lvl="2"/>
-            <a:r>
-              <a:rPr lang="en-US" dirty="0" smtClean="0"/>
-              <a:t>16-key keypad</a:t>
-            </a:r>
-          </a:p>
-          <a:p>
-            <a:pPr lvl="2"/>
-            <a:r>
-              <a:rPr lang="en-US" dirty="0" smtClean="0"/>
-              <a:t>4” LCD</a:t>
-            </a:r>
-          </a:p>
-          <a:p>
-            <a:pPr lvl="2"/>
-            <a:r>
-              <a:rPr lang="en-US" dirty="0" smtClean="0"/>
-              <a:t>3.3v regulator</a:t>
-            </a:r>
-          </a:p>
-          <a:p>
-            <a:pPr lvl="2"/>
-            <a:r>
-              <a:rPr lang="en-US" dirty="0" smtClean="0"/>
-              <a:t>(4) switches</a:t>
-            </a:r>
-          </a:p>
-          <a:p>
-            <a:pPr lvl="2"/>
-            <a:r>
-              <a:rPr lang="en-US" dirty="0" smtClean="0"/>
-              <a:t>H-bridge</a:t>
-            </a:r>
-          </a:p>
-          <a:p>
-            <a:pPr lvl="2"/>
-            <a:r>
-              <a:rPr lang="en-US" dirty="0" smtClean="0"/>
-              <a:t>Linear servo</a:t>
-            </a:r>
-          </a:p>
-          <a:p>
-            <a:pPr lvl="2"/>
-            <a:r>
-              <a:rPr lang="en-US" dirty="0" smtClean="0"/>
-              <a:t>20MHz Crystal Oscillator</a:t>
-            </a:r>
-          </a:p>
-          <a:p>
-            <a:pPr lvl="2"/>
-            <a:r>
-              <a:rPr lang="en-US" dirty="0" smtClean="0"/>
-              <a:t>CMOS hex buffer (non-inverting)</a:t>
-            </a:r>
-          </a:p>
-          <a:p>
-            <a:pPr lvl="2"/>
-            <a:r>
-              <a:rPr lang="en-US" dirty="0" smtClean="0"/>
-              <a:t>(3) RGB LEDs</a:t>
-            </a:r>
-          </a:p>
-          <a:p>
-            <a:pPr lvl="2"/>
-            <a:endParaRPr lang="en-US" dirty="0"/>
+              <a:rPr lang="en-US" sz="2800" dirty="0" smtClean="0"/>
+              <a:t>Software functions</a:t>
+            </a:r>
+            <a:endParaRPr lang="en-US" sz="2800" dirty="0"/>
           </a:p>
         </p:txBody>
       </p:sp>
     </p:spTree>
     <p:extLst>
       <p:ext uri="{BB962C8B-B14F-4D97-AF65-F5344CB8AC3E}">
-        <p14:creationId xmlns:p14="http://schemas.microsoft.com/office/powerpoint/2010/main" val="3613275309"/>
+        <p14:creationId xmlns:p14="http://schemas.microsoft.com/office/powerpoint/2010/main" val="2126620538"/>
       </p:ext>
     </p:extLst>
   </p:cSld>
@@ -4829,7 +4831,7 @@
       </p:grpSpPr>
       <p:sp>
         <p:nvSpPr>
-          <p:cNvPr id="7" name="Title 6"/>
+          <p:cNvPr id="2" name="Title 1"/>
           <p:cNvSpPr>
             <a:spLocks noGrp="1"/>
           </p:cNvSpPr>
@@ -4843,8 +4845,8 @@
           <a:lstStyle/>
           <a:p>
             <a:r>
-              <a:rPr lang="en-US" dirty="0" smtClean="0"/>
-              <a:t>Schematic</a:t>
+              <a:rPr lang="en-US" smtClean="0"/>
+              <a:t>State machines</a:t>
             </a:r>
             <a:endParaRPr lang="en-US" dirty="0"/>
           </a:p>
@@ -4852,27 +4854,150 @@
       </p:sp>
       <p:sp>
         <p:nvSpPr>
-          <p:cNvPr id="8" name="Content Placeholder 7"/>
-          <p:cNvSpPr>
-            <a:spLocks noGrp="1"/>
-          </p:cNvSpPr>
-          <p:nvPr>
-            <p:ph idx="1"/>
-          </p:nvPr>
-        </p:nvSpPr>
-        <p:spPr/>
-        <p:txBody>
-          <a:bodyPr/>
-          <a:lstStyle/>
-          <a:p>
+          <p:cNvPr id="4" name="Text Placeholder 3"/>
+          <p:cNvSpPr>
+            <a:spLocks noGrp="1"/>
+          </p:cNvSpPr>
+          <p:nvPr>
+            <p:ph type="body" idx="1"/>
+          </p:nvPr>
+        </p:nvSpPr>
+        <p:spPr>
+          <a:xfrm>
+            <a:off x="457200" y="1152153"/>
+            <a:ext cx="4040188" cy="639762"/>
+          </a:xfrm>
+        </p:spPr>
+        <p:txBody>
+          <a:bodyPr/>
+          <a:lstStyle/>
+          <a:p>
+            <a:r>
+              <a:rPr lang="en-US" dirty="0" smtClean="0"/>
+              <a:t>Basic system flow</a:t>
+            </a:r>
             <a:endParaRPr lang="en-US" dirty="0"/>
           </a:p>
         </p:txBody>
       </p:sp>
+      <p:pic>
+        <p:nvPicPr>
+          <p:cNvPr id="13" name="Content Placeholder 12"/>
+          <p:cNvPicPr>
+            <a:picLocks noGrp="1" noChangeAspect="1"/>
+          </p:cNvPicPr>
+          <p:nvPr>
+            <p:ph sz="half" idx="2"/>
+          </p:nvPr>
+        </p:nvPicPr>
+        <p:blipFill rotWithShape="1">
+          <a:blip r:embed="rId2" cstate="print">
+            <a:extLst>
+              <a:ext uri="{28A0092B-C50C-407E-A947-70E740481C1C}">
+                <a14:useLocalDpi xmlns:a14="http://schemas.microsoft.com/office/drawing/2010/main" val="0"/>
+              </a:ext>
+            </a:extLst>
+          </a:blip>
+          <a:srcRect b="37405"/>
+          <a:stretch/>
+        </p:blipFill>
+        <p:spPr>
+          <a:xfrm>
+            <a:off x="234008" y="1987923"/>
+            <a:ext cx="4486571" cy="3719009"/>
+          </a:xfrm>
+        </p:spPr>
+      </p:pic>
+      <p:sp>
+        <p:nvSpPr>
+          <p:cNvPr id="6" name="Text Placeholder 5"/>
+          <p:cNvSpPr>
+            <a:spLocks noGrp="1"/>
+          </p:cNvSpPr>
+          <p:nvPr>
+            <p:ph type="body" sz="quarter" idx="3"/>
+          </p:nvPr>
+        </p:nvSpPr>
+        <p:spPr>
+          <a:xfrm>
+            <a:off x="5638800" y="1152153"/>
+            <a:ext cx="4041775" cy="639762"/>
+          </a:xfrm>
+        </p:spPr>
+        <p:txBody>
+          <a:bodyPr/>
+          <a:lstStyle/>
+          <a:p>
+            <a:r>
+              <a:rPr lang="en-US" dirty="0" smtClean="0"/>
+              <a:t>Generic game flow</a:t>
+            </a:r>
+            <a:endParaRPr lang="en-US" dirty="0"/>
+          </a:p>
+        </p:txBody>
+      </p:sp>
+      <p:pic>
+        <p:nvPicPr>
+          <p:cNvPr id="7" name="Content Placeholder 12"/>
+          <p:cNvPicPr>
+            <a:picLocks noChangeAspect="1"/>
+          </p:cNvPicPr>
+          <p:nvPr/>
+        </p:nvPicPr>
+        <p:blipFill rotWithShape="1">
+          <a:blip r:embed="rId2" cstate="print">
+            <a:extLst>
+              <a:ext uri="{28A0092B-C50C-407E-A947-70E740481C1C}">
+                <a14:useLocalDpi xmlns:a14="http://schemas.microsoft.com/office/drawing/2010/main" val="0"/>
+              </a:ext>
+            </a:extLst>
+          </a:blip>
+          <a:srcRect l="39361" t="61785"/>
+          <a:stretch/>
+        </p:blipFill>
+        <p:spPr>
+          <a:xfrm>
+            <a:off x="5600700" y="1987923"/>
+            <a:ext cx="3287002" cy="2743200"/>
+          </a:xfrm>
+          <a:prstGeom prst="rect">
+            <a:avLst/>
+          </a:prstGeom>
+        </p:spPr>
+      </p:pic>
+      <p:pic>
+        <p:nvPicPr>
+          <p:cNvPr id="8" name="Content Placeholder 12"/>
+          <p:cNvPicPr>
+            <a:picLocks noChangeAspect="1"/>
+          </p:cNvPicPr>
+          <p:nvPr/>
+        </p:nvPicPr>
+        <p:blipFill rotWithShape="1">
+          <a:blip r:embed="rId2" cstate="print">
+            <a:extLst>
+              <a:ext uri="{28A0092B-C50C-407E-A947-70E740481C1C}">
+                <a14:useLocalDpi xmlns:a14="http://schemas.microsoft.com/office/drawing/2010/main" val="0"/>
+              </a:ext>
+            </a:extLst>
+          </a:blip>
+          <a:srcRect t="63345" r="63352" b="2132"/>
+          <a:stretch/>
+        </p:blipFill>
+        <p:spPr>
+          <a:xfrm>
+            <a:off x="3527383" y="3810000"/>
+            <a:ext cx="2111417" cy="2633964"/>
+          </a:xfrm>
+          <a:prstGeom prst="rect">
+            <a:avLst/>
+          </a:prstGeom>
+        </p:spPr>
+      </p:pic>
     </p:spTree>
     <p:extLst>
       <p:ext uri="{BB962C8B-B14F-4D97-AF65-F5344CB8AC3E}">
-        <p14:creationId xmlns:p14="http://schemas.microsoft.com/office/powerpoint/2010/main" val="2998929400"/>
+        <p14:creationId xmlns:p14="http://schemas.microsoft.com/office/powerpoint/2010/main" val="1916042667"/>
       </p:ext>
     </p:extLst>
   </p:cSld>
